--- a/2021_2 비정형데이터 프로젝트 결과보고서.pptx
+++ b/2021_2 비정형데이터 프로젝트 결과보고서.pptx
@@ -13033,10 +13033,10 @@
       </p:sp>
       <p:grpSp>
         <p:nvGrpSpPr>
-          <p:cNvPr id="7" name="Google Shape;213;p23">
+          <p:cNvPr id="10" name="Google Shape;213;p23">
             <a:extLst>
               <a:ext uri="{FF2B5EF4-FFF2-40B4-BE49-F238E27FC236}">
-                <a16:creationId xmlns:a16="http://schemas.microsoft.com/office/drawing/2014/main" id="{43730137-4BDE-4A28-ADE4-833C95C2397D}"/>
+                <a16:creationId xmlns:a16="http://schemas.microsoft.com/office/drawing/2014/main" id="{0D2B7AC0-4222-40BB-969B-6A07BF5F25E2}"/>
               </a:ext>
             </a:extLst>
           </p:cNvPr>
@@ -13045,7 +13045,7 @@
         </p:nvGrpSpPr>
         <p:grpSpPr>
           <a:xfrm>
-            <a:off x="162560" y="1255093"/>
+            <a:off x="235391" y="1219894"/>
             <a:ext cx="10683296" cy="713922"/>
             <a:chOff x="6380479" y="2269037"/>
             <a:chExt cx="5450875" cy="713922"/>
@@ -13053,10 +13053,10 @@
         </p:grpSpPr>
         <p:sp>
           <p:nvSpPr>
-            <p:cNvPr id="8" name="Google Shape;214;p23">
+            <p:cNvPr id="11" name="Google Shape;214;p23">
               <a:extLst>
                 <a:ext uri="{FF2B5EF4-FFF2-40B4-BE49-F238E27FC236}">
-                  <a16:creationId xmlns:a16="http://schemas.microsoft.com/office/drawing/2014/main" id="{88DECC2F-2D82-47B8-BCCC-E445C3AD9C60}"/>
+                  <a16:creationId xmlns:a16="http://schemas.microsoft.com/office/drawing/2014/main" id="{9D82F491-5874-4C0D-B6A0-BAA90C24A919}"/>
                 </a:ext>
               </a:extLst>
             </p:cNvPr>
@@ -13092,7 +13092,7 @@
                 <a:buNone/>
               </a:pPr>
               <a:r>
-                <a:rPr lang="ko-KR" altLang="en-US" sz="2800" b="1">
+                <a:rPr lang="ko-KR" altLang="en-US" sz="2800" b="1" dirty="0">
                   <a:solidFill>
                     <a:schemeClr val="dk1"/>
                   </a:solidFill>
@@ -13111,10 +13111,10 @@
         </p:sp>
         <p:cxnSp>
           <p:nvCxnSpPr>
-            <p:cNvPr id="9" name="Google Shape;215;p23">
+            <p:cNvPr id="12" name="Google Shape;215;p23">
               <a:extLst>
                 <a:ext uri="{FF2B5EF4-FFF2-40B4-BE49-F238E27FC236}">
-                  <a16:creationId xmlns:a16="http://schemas.microsoft.com/office/drawing/2014/main" id="{3944B93F-79ED-4EE4-BF71-130099D611F2}"/>
+                  <a16:creationId xmlns:a16="http://schemas.microsoft.com/office/drawing/2014/main" id="{E1EACDEF-FCEA-46D0-BC45-490567D2DF6E}"/>
                 </a:ext>
               </a:extLst>
             </p:cNvPr>
@@ -13463,10 +13463,10 @@
       </p:sp>
       <p:grpSp>
         <p:nvGrpSpPr>
-          <p:cNvPr id="7" name="Google Shape;213;p23">
+          <p:cNvPr id="10" name="Google Shape;213;p23">
             <a:extLst>
               <a:ext uri="{FF2B5EF4-FFF2-40B4-BE49-F238E27FC236}">
-                <a16:creationId xmlns:a16="http://schemas.microsoft.com/office/drawing/2014/main" id="{43730137-4BDE-4A28-ADE4-833C95C2397D}"/>
+                <a16:creationId xmlns:a16="http://schemas.microsoft.com/office/drawing/2014/main" id="{0995B470-455A-470B-9A28-E058496A5F52}"/>
               </a:ext>
             </a:extLst>
           </p:cNvPr>
@@ -13475,7 +13475,7 @@
         </p:nvGrpSpPr>
         <p:grpSpPr>
           <a:xfrm>
-            <a:off x="162560" y="1255093"/>
+            <a:off x="235391" y="1219894"/>
             <a:ext cx="10683296" cy="713922"/>
             <a:chOff x="6380479" y="2269037"/>
             <a:chExt cx="5450875" cy="713922"/>
@@ -13483,10 +13483,10 @@
         </p:grpSpPr>
         <p:sp>
           <p:nvSpPr>
-            <p:cNvPr id="8" name="Google Shape;214;p23">
+            <p:cNvPr id="11" name="Google Shape;214;p23">
               <a:extLst>
                 <a:ext uri="{FF2B5EF4-FFF2-40B4-BE49-F238E27FC236}">
-                  <a16:creationId xmlns:a16="http://schemas.microsoft.com/office/drawing/2014/main" id="{88DECC2F-2D82-47B8-BCCC-E445C3AD9C60}"/>
+                  <a16:creationId xmlns:a16="http://schemas.microsoft.com/office/drawing/2014/main" id="{3FD79193-5A91-4B08-B9C5-FB0721CE86A3}"/>
                 </a:ext>
               </a:extLst>
             </p:cNvPr>
@@ -13552,10 +13552,10 @@
         </p:sp>
         <p:cxnSp>
           <p:nvCxnSpPr>
-            <p:cNvPr id="9" name="Google Shape;215;p23">
+            <p:cNvPr id="12" name="Google Shape;215;p23">
               <a:extLst>
                 <a:ext uri="{FF2B5EF4-FFF2-40B4-BE49-F238E27FC236}">
-                  <a16:creationId xmlns:a16="http://schemas.microsoft.com/office/drawing/2014/main" id="{3944B93F-79ED-4EE4-BF71-130099D611F2}"/>
+                  <a16:creationId xmlns:a16="http://schemas.microsoft.com/office/drawing/2014/main" id="{EA3E83A1-E646-41CA-86F0-5084E86414F9}"/>
                 </a:ext>
               </a:extLst>
             </p:cNvPr>
@@ -14944,10 +14944,10 @@
         </p:nvGrpSpPr>
         <p:grpSpPr>
           <a:xfrm>
-            <a:off x="346241" y="1578440"/>
-            <a:ext cx="10683296" cy="2023598"/>
+            <a:off x="286348" y="1339197"/>
+            <a:ext cx="10683296" cy="2145438"/>
             <a:chOff x="6380479" y="2269037"/>
-            <a:chExt cx="5450875" cy="2023598"/>
+            <a:chExt cx="5450875" cy="2145438"/>
           </a:xfrm>
         </p:grpSpPr>
         <p:sp>
@@ -15065,8 +15065,8 @@
           </p:nvSpPr>
           <p:spPr>
             <a:xfrm>
-              <a:off x="6380479" y="3215457"/>
-              <a:ext cx="3347861" cy="1077178"/>
+              <a:off x="6380479" y="3091076"/>
+              <a:ext cx="3347861" cy="1323399"/>
             </a:xfrm>
             <a:prstGeom prst="rect">
               <a:avLst/>
@@ -15210,7 +15210,48 @@
                   <a:ea typeface="나눔스퀘어" panose="020B0600000101010101" pitchFamily="50" charset="-127"/>
                   <a:sym typeface="Arial"/>
                 </a:rPr>
-                <a:t>전문 및 기사 요약으로 구성됨</a:t>
+                <a:t>전문 </a:t>
+              </a:r>
+              <a:r>
+                <a:rPr lang="ko-KR" altLang="en-US" sz="1600" dirty="0">
+                  <a:solidFill>
+                    <a:schemeClr val="dk1"/>
+                  </a:solidFill>
+                  <a:latin typeface="나눔스퀘어" panose="020B0600000101010101" pitchFamily="50" charset="-127"/>
+                  <a:ea typeface="나눔스퀘어" panose="020B0600000101010101" pitchFamily="50" charset="-127"/>
+                </a:rPr>
+                <a:t>데이터는 신년사 전문을 우선으로 수집하고</a:t>
+              </a:r>
+              <a:r>
+                <a:rPr lang="en-US" altLang="ko-KR" sz="1600" dirty="0">
+                  <a:solidFill>
+                    <a:schemeClr val="dk1"/>
+                  </a:solidFill>
+                  <a:latin typeface="나눔스퀘어" panose="020B0600000101010101" pitchFamily="50" charset="-127"/>
+                  <a:ea typeface="나눔스퀘어" panose="020B0600000101010101" pitchFamily="50" charset="-127"/>
+                </a:rPr>
+                <a:t>, </a:t>
+              </a:r>
+              <a:r>
+                <a:rPr lang="ko-KR" altLang="en-US" sz="1600" dirty="0">
+                  <a:solidFill>
+                    <a:schemeClr val="dk1"/>
+                  </a:solidFill>
+                  <a:latin typeface="나눔스퀘어" panose="020B0600000101010101" pitchFamily="50" charset="-127"/>
+                  <a:ea typeface="나눔스퀘어" panose="020B0600000101010101" pitchFamily="50" charset="-127"/>
+                </a:rPr>
+                <a:t> 없는 경우 </a:t>
+              </a:r>
+              <a:r>
+                <a:rPr lang="ko-KR" altLang="en-US" sz="1600" dirty="0">
+                  <a:solidFill>
+                    <a:schemeClr val="dk1"/>
+                  </a:solidFill>
+                  <a:latin typeface="나눔스퀘어" panose="020B0600000101010101" pitchFamily="50" charset="-127"/>
+                  <a:ea typeface="나눔스퀘어" panose="020B0600000101010101" pitchFamily="50" charset="-127"/>
+                  <a:sym typeface="Arial"/>
+                </a:rPr>
+                <a:t>기사 요약으로 구성됨</a:t>
               </a:r>
               <a:endParaRPr lang="en-US" altLang="ko-KR" sz="1600" dirty="0">
                 <a:solidFill>
@@ -15317,7 +15358,7 @@
           <p:nvPr>
             <p:extLst>
               <p:ext uri="{D42A27DB-BD31-4B8C-83A1-F6EECF244321}">
-                <p14:modId xmlns:p14="http://schemas.microsoft.com/office/powerpoint/2010/main" val="3387225932"/>
+                <p14:modId xmlns:p14="http://schemas.microsoft.com/office/powerpoint/2010/main" val="2832607830"/>
               </p:ext>
             </p:extLst>
           </p:nvPr>
@@ -18129,110 +18170,6 @@
           </a:p>
         </p:txBody>
       </p:sp>
-      <p:grpSp>
-        <p:nvGrpSpPr>
-          <p:cNvPr id="213" name="Google Shape;213;p23"/>
-          <p:cNvGrpSpPr/>
-          <p:nvPr/>
-        </p:nvGrpSpPr>
-        <p:grpSpPr>
-          <a:xfrm>
-            <a:off x="346241" y="1578440"/>
-            <a:ext cx="10683296" cy="713922"/>
-            <a:chOff x="6380479" y="2269037"/>
-            <a:chExt cx="5450875" cy="713922"/>
-          </a:xfrm>
-        </p:grpSpPr>
-        <p:sp>
-          <p:nvSpPr>
-            <p:cNvPr id="214" name="Google Shape;214;p23"/>
-            <p:cNvSpPr txBox="1"/>
-            <p:nvPr/>
-          </p:nvSpPr>
-          <p:spPr>
-            <a:xfrm flipH="1">
-              <a:off x="6380479" y="2269037"/>
-              <a:ext cx="5450875" cy="523180"/>
-            </a:xfrm>
-            <a:prstGeom prst="rect">
-              <a:avLst/>
-            </a:prstGeom>
-            <a:noFill/>
-            <a:ln>
-              <a:noFill/>
-            </a:ln>
-          </p:spPr>
-          <p:txBody>
-            <a:bodyPr spcFirstLastPara="1" wrap="square" lIns="91425" tIns="45700" rIns="91425" bIns="45700" anchor="t" anchorCtr="0">
-              <a:spAutoFit/>
-            </a:bodyPr>
-            <a:lstStyle/>
-            <a:p>
-              <a:pPr marL="0" marR="0" lvl="0" indent="0" algn="l" rtl="0">
-                <a:spcBef>
-                  <a:spcPts val="0"/>
-                </a:spcBef>
-                <a:spcAft>
-                  <a:spcPts val="0"/>
-                </a:spcAft>
-                <a:buNone/>
-              </a:pPr>
-              <a:r>
-                <a:rPr lang="ko-KR" altLang="en-US" sz="2800" b="1" dirty="0" err="1">
-                  <a:solidFill>
-                    <a:schemeClr val="dk1"/>
-                  </a:solidFill>
-                  <a:latin typeface="나눔스퀘어" panose="020B0600000101010101" pitchFamily="50" charset="-127"/>
-                  <a:ea typeface="나눔스퀘어" panose="020B0600000101010101" pitchFamily="50" charset="-127"/>
-                  <a:sym typeface="Arial"/>
-                </a:rPr>
-                <a:t>전처리</a:t>
-              </a:r>
-              <a:r>
-                <a:rPr lang="ko-KR" altLang="en-US" sz="2800" b="1" dirty="0">
-                  <a:solidFill>
-                    <a:schemeClr val="dk1"/>
-                  </a:solidFill>
-                  <a:latin typeface="나눔스퀘어" panose="020B0600000101010101" pitchFamily="50" charset="-127"/>
-                  <a:ea typeface="나눔스퀘어" panose="020B0600000101010101" pitchFamily="50" charset="-127"/>
-                  <a:sym typeface="Arial"/>
-                </a:rPr>
-                <a:t> 절차</a:t>
-              </a:r>
-              <a:endParaRPr dirty="0">
-                <a:latin typeface="나눔스퀘어" panose="020B0600000101010101" pitchFamily="50" charset="-127"/>
-                <a:ea typeface="나눔스퀘어" panose="020B0600000101010101" pitchFamily="50" charset="-127"/>
-              </a:endParaRPr>
-            </a:p>
-          </p:txBody>
-        </p:sp>
-        <p:cxnSp>
-          <p:nvCxnSpPr>
-            <p:cNvPr id="215" name="Google Shape;215;p23"/>
-            <p:cNvCxnSpPr/>
-            <p:nvPr/>
-          </p:nvCxnSpPr>
-          <p:spPr>
-            <a:xfrm>
-              <a:off x="6478583" y="2982959"/>
-              <a:ext cx="734061" cy="0"/>
-            </a:xfrm>
-            <a:prstGeom prst="straightConnector1">
-              <a:avLst/>
-            </a:prstGeom>
-            <a:noFill/>
-            <a:ln w="57150" cap="flat" cmpd="sng">
-              <a:solidFill>
-                <a:schemeClr val="accent1"/>
-              </a:solidFill>
-              <a:prstDash val="solid"/>
-              <a:miter lim="800000"/>
-              <a:headEnd type="none" w="sm" len="sm"/>
-              <a:tailEnd type="none" w="sm" len="sm"/>
-            </a:ln>
-          </p:spPr>
-        </p:cxnSp>
-      </p:grpSp>
       <p:sp>
         <p:nvSpPr>
           <p:cNvPr id="22" name="직사각형 21">
@@ -19002,6 +18939,128 @@
           </a:prstGeom>
         </p:spPr>
       </p:pic>
+      <p:grpSp>
+        <p:nvGrpSpPr>
+          <p:cNvPr id="20" name="Google Shape;213;p23">
+            <a:extLst>
+              <a:ext uri="{FF2B5EF4-FFF2-40B4-BE49-F238E27FC236}">
+                <a16:creationId xmlns:a16="http://schemas.microsoft.com/office/drawing/2014/main" id="{451BDB54-C4D3-4C98-9887-C823DC195CD1}"/>
+              </a:ext>
+            </a:extLst>
+          </p:cNvPr>
+          <p:cNvGrpSpPr/>
+          <p:nvPr/>
+        </p:nvGrpSpPr>
+        <p:grpSpPr>
+          <a:xfrm>
+            <a:off x="235391" y="1219894"/>
+            <a:ext cx="10683296" cy="713922"/>
+            <a:chOff x="6380479" y="2269037"/>
+            <a:chExt cx="5450875" cy="713922"/>
+          </a:xfrm>
+        </p:grpSpPr>
+        <p:sp>
+          <p:nvSpPr>
+            <p:cNvPr id="21" name="Google Shape;214;p23">
+              <a:extLst>
+                <a:ext uri="{FF2B5EF4-FFF2-40B4-BE49-F238E27FC236}">
+                  <a16:creationId xmlns:a16="http://schemas.microsoft.com/office/drawing/2014/main" id="{29618F55-43BD-444E-9D5A-E1BB5A5F3D26}"/>
+                </a:ext>
+              </a:extLst>
+            </p:cNvPr>
+            <p:cNvSpPr txBox="1"/>
+            <p:nvPr/>
+          </p:nvSpPr>
+          <p:spPr>
+            <a:xfrm flipH="1">
+              <a:off x="6380479" y="2269037"/>
+              <a:ext cx="5450875" cy="523180"/>
+            </a:xfrm>
+            <a:prstGeom prst="rect">
+              <a:avLst/>
+            </a:prstGeom>
+            <a:noFill/>
+            <a:ln>
+              <a:noFill/>
+            </a:ln>
+          </p:spPr>
+          <p:txBody>
+            <a:bodyPr spcFirstLastPara="1" wrap="square" lIns="91425" tIns="45700" rIns="91425" bIns="45700" anchor="t" anchorCtr="0">
+              <a:spAutoFit/>
+            </a:bodyPr>
+            <a:lstStyle/>
+            <a:p>
+              <a:pPr marL="0" marR="0" lvl="0" indent="0" algn="l" rtl="0">
+                <a:spcBef>
+                  <a:spcPts val="0"/>
+                </a:spcBef>
+                <a:spcAft>
+                  <a:spcPts val="0"/>
+                </a:spcAft>
+                <a:buNone/>
+              </a:pPr>
+              <a:r>
+                <a:rPr lang="ko-KR" altLang="en-US" sz="2800" b="1" dirty="0" err="1">
+                  <a:solidFill>
+                    <a:schemeClr val="dk1"/>
+                  </a:solidFill>
+                  <a:latin typeface="나눔스퀘어" panose="020B0600000101010101" pitchFamily="50" charset="-127"/>
+                  <a:ea typeface="나눔스퀘어" panose="020B0600000101010101" pitchFamily="50" charset="-127"/>
+                  <a:sym typeface="Arial"/>
+                </a:rPr>
+                <a:t>전처리</a:t>
+              </a:r>
+              <a:r>
+                <a:rPr lang="ko-KR" altLang="en-US" sz="2800" b="1" dirty="0">
+                  <a:solidFill>
+                    <a:schemeClr val="dk1"/>
+                  </a:solidFill>
+                  <a:latin typeface="나눔스퀘어" panose="020B0600000101010101" pitchFamily="50" charset="-127"/>
+                  <a:ea typeface="나눔스퀘어" panose="020B0600000101010101" pitchFamily="50" charset="-127"/>
+                  <a:sym typeface="Arial"/>
+                </a:rPr>
+                <a:t> 절차</a:t>
+              </a:r>
+              <a:endParaRPr dirty="0">
+                <a:latin typeface="나눔스퀘어" panose="020B0600000101010101" pitchFamily="50" charset="-127"/>
+                <a:ea typeface="나눔스퀘어" panose="020B0600000101010101" pitchFamily="50" charset="-127"/>
+              </a:endParaRPr>
+            </a:p>
+          </p:txBody>
+        </p:sp>
+        <p:cxnSp>
+          <p:nvCxnSpPr>
+            <p:cNvPr id="23" name="Google Shape;215;p23">
+              <a:extLst>
+                <a:ext uri="{FF2B5EF4-FFF2-40B4-BE49-F238E27FC236}">
+                  <a16:creationId xmlns:a16="http://schemas.microsoft.com/office/drawing/2014/main" id="{03E994E3-0F4B-4BD4-A8FF-668CD40193B0}"/>
+                </a:ext>
+              </a:extLst>
+            </p:cNvPr>
+            <p:cNvCxnSpPr/>
+            <p:nvPr/>
+          </p:nvCxnSpPr>
+          <p:spPr>
+            <a:xfrm>
+              <a:off x="6478583" y="2982959"/>
+              <a:ext cx="734061" cy="0"/>
+            </a:xfrm>
+            <a:prstGeom prst="straightConnector1">
+              <a:avLst/>
+            </a:prstGeom>
+            <a:noFill/>
+            <a:ln w="57150" cap="flat" cmpd="sng">
+              <a:solidFill>
+                <a:schemeClr val="accent1"/>
+              </a:solidFill>
+              <a:prstDash val="solid"/>
+              <a:miter lim="800000"/>
+              <a:headEnd type="none" w="sm" len="sm"/>
+              <a:tailEnd type="none" w="sm" len="sm"/>
+            </a:ln>
+          </p:spPr>
+        </p:cxnSp>
+      </p:grpSp>
     </p:spTree>
   </p:cSld>
   <p:clrMapOvr>

--- a/2021_2 비정형데이터 프로젝트 결과보고서.pptx
+++ b/2021_2 비정형데이터 프로젝트 결과보고서.pptx
@@ -17222,7 +17222,7 @@
                 <a:latin typeface="나눔스퀘어" panose="020B0600000101010101" pitchFamily="50" charset="-127"/>
                 <a:ea typeface="나눔스퀘어" panose="020B0600000101010101" pitchFamily="50" charset="-127"/>
               </a:rPr>
-              <a:t>Topic</a:t>
+              <a:t>Frequency</a:t>
             </a:r>
           </a:p>
           <a:p>
@@ -17232,7 +17232,7 @@
                 <a:latin typeface="나눔스퀘어" panose="020B0600000101010101" pitchFamily="50" charset="-127"/>
                 <a:ea typeface="나눔스퀘어" panose="020B0600000101010101" pitchFamily="50" charset="-127"/>
               </a:rPr>
-              <a:t>Modeling</a:t>
+              <a:t>Analysis</a:t>
             </a:r>
             <a:endParaRPr lang="ko-KR" altLang="en-US" dirty="0">
               <a:latin typeface="나눔스퀘어" panose="020B0600000101010101" pitchFamily="50" charset="-127"/>
@@ -17809,131 +17809,6 @@
                 <a:ea typeface="나눔스퀘어" panose="020B0600000101010101" pitchFamily="50" charset="-127"/>
               </a:rPr>
               <a:t>Tokenization</a:t>
-            </a:r>
-          </a:p>
-        </p:txBody>
-      </p:sp>
-      <p:sp>
-        <p:nvSpPr>
-          <p:cNvPr id="37" name="화살표: 오른쪽 36">
-            <a:extLst>
-              <a:ext uri="{FF2B5EF4-FFF2-40B4-BE49-F238E27FC236}">
-                <a16:creationId xmlns:a16="http://schemas.microsoft.com/office/drawing/2014/main" id="{8B174DD6-DE86-41A4-8EDB-679D686A015B}"/>
-              </a:ext>
-            </a:extLst>
-          </p:cNvPr>
-          <p:cNvSpPr/>
-          <p:nvPr/>
-        </p:nvSpPr>
-        <p:spPr>
-          <a:xfrm rot="5400000">
-            <a:off x="10947407" y="3918885"/>
-            <a:ext cx="323273" cy="203195"/>
-          </a:xfrm>
-          <a:prstGeom prst="rightArrow">
-            <a:avLst/>
-          </a:prstGeom>
-          <a:solidFill>
-            <a:schemeClr val="accent1">
-              <a:lumMod val="50000"/>
-            </a:schemeClr>
-          </a:solidFill>
-          <a:ln>
-            <a:solidFill>
-              <a:schemeClr val="tx2">
-                <a:lumMod val="10000"/>
-              </a:schemeClr>
-            </a:solidFill>
-          </a:ln>
-        </p:spPr>
-        <p:style>
-          <a:lnRef idx="2">
-            <a:schemeClr val="accent1">
-              <a:shade val="50000"/>
-            </a:schemeClr>
-          </a:lnRef>
-          <a:fillRef idx="1">
-            <a:schemeClr val="accent1"/>
-          </a:fillRef>
-          <a:effectRef idx="0">
-            <a:schemeClr val="accent1"/>
-          </a:effectRef>
-          <a:fontRef idx="minor">
-            <a:schemeClr val="lt1"/>
-          </a:fontRef>
-        </p:style>
-        <p:txBody>
-          <a:bodyPr rtlCol="0" anchor="ctr"/>
-          <a:lstStyle/>
-          <a:p>
-            <a:pPr algn="ctr"/>
-            <a:endParaRPr lang="ko-KR" altLang="en-US">
-              <a:latin typeface="나눔스퀘어" panose="020B0600000101010101" pitchFamily="50" charset="-127"/>
-              <a:ea typeface="나눔스퀘어" panose="020B0600000101010101" pitchFamily="50" charset="-127"/>
-            </a:endParaRPr>
-          </a:p>
-        </p:txBody>
-      </p:sp>
-      <p:sp>
-        <p:nvSpPr>
-          <p:cNvPr id="38" name="사각형: 둥근 모서리 37">
-            <a:extLst>
-              <a:ext uri="{FF2B5EF4-FFF2-40B4-BE49-F238E27FC236}">
-                <a16:creationId xmlns:a16="http://schemas.microsoft.com/office/drawing/2014/main" id="{DB24440B-A202-4747-920B-0696CA14708E}"/>
-              </a:ext>
-            </a:extLst>
-          </p:cNvPr>
-          <p:cNvSpPr/>
-          <p:nvPr/>
-        </p:nvSpPr>
-        <p:spPr>
-          <a:xfrm>
-            <a:off x="10531770" y="4559732"/>
-            <a:ext cx="1154545" cy="655782"/>
-          </a:xfrm>
-          <a:prstGeom prst="roundRect">
-            <a:avLst/>
-          </a:prstGeom>
-          <a:solidFill>
-            <a:schemeClr val="accent1">
-              <a:lumMod val="50000"/>
-            </a:schemeClr>
-          </a:solidFill>
-          <a:ln>
-            <a:solidFill>
-              <a:schemeClr val="tx2">
-                <a:lumMod val="10000"/>
-              </a:schemeClr>
-            </a:solidFill>
-          </a:ln>
-        </p:spPr>
-        <p:style>
-          <a:lnRef idx="2">
-            <a:schemeClr val="accent1">
-              <a:shade val="50000"/>
-            </a:schemeClr>
-          </a:lnRef>
-          <a:fillRef idx="1">
-            <a:schemeClr val="accent1"/>
-          </a:fillRef>
-          <a:effectRef idx="0">
-            <a:schemeClr val="accent1"/>
-          </a:effectRef>
-          <a:fontRef idx="minor">
-            <a:schemeClr val="lt1"/>
-          </a:fontRef>
-        </p:style>
-        <p:txBody>
-          <a:bodyPr rtlCol="0" anchor="ctr"/>
-          <a:lstStyle/>
-          <a:p>
-            <a:pPr algn="ctr"/>
-            <a:r>
-              <a:rPr lang="ko-KR" altLang="en-US" sz="1100" dirty="0">
-                <a:latin typeface="나눔스퀘어" panose="020B0600000101010101" pitchFamily="50" charset="-127"/>
-                <a:ea typeface="나눔스퀘어" panose="020B0600000101010101" pitchFamily="50" charset="-127"/>
-              </a:rPr>
-              <a:t>최종 발표</a:t>
             </a:r>
           </a:p>
         </p:txBody>
@@ -18745,7 +18620,7 @@
                 <a:latin typeface="나눔스퀘어" panose="020B0600000101010101" pitchFamily="50" charset="-127"/>
                 <a:ea typeface="나눔스퀘어" panose="020B0600000101010101" pitchFamily="50" charset="-127"/>
               </a:rPr>
-              <a:t> 처리</a:t>
+              <a:t> 추가</a:t>
             </a:r>
           </a:p>
         </p:txBody>
@@ -18855,8 +18730,8 @@
         </p:nvSpPr>
         <p:spPr>
           <a:xfrm>
-            <a:off x="8489768" y="2825452"/>
-            <a:ext cx="1154545" cy="655782"/>
+            <a:off x="8489767" y="2610468"/>
+            <a:ext cx="1951187" cy="1027283"/>
           </a:xfrm>
           <a:prstGeom prst="roundRect">
             <a:avLst/>
@@ -18900,12 +18775,36 @@
                 <a:latin typeface="나눔스퀘어" panose="020B0600000101010101" pitchFamily="50" charset="-127"/>
                 <a:ea typeface="나눔스퀘어" panose="020B0600000101010101" pitchFamily="50" charset="-127"/>
               </a:rPr>
-              <a:t>Tokenizing</a:t>
+              <a:t>Konlpy + Komoran</a:t>
             </a:r>
-            <a:endParaRPr lang="ko-KR" altLang="en-US" dirty="0">
+            <a:r>
+              <a:rPr lang="ko-KR" altLang="en-US" dirty="0">
+                <a:latin typeface="나눔스퀘어" panose="020B0600000101010101" pitchFamily="50" charset="-127"/>
+                <a:ea typeface="나눔스퀘어" panose="020B0600000101010101" pitchFamily="50" charset="-127"/>
+              </a:rPr>
+              <a:t>을 활용한 </a:t>
+            </a:r>
+            <a:endParaRPr lang="en-US" altLang="ko-KR" dirty="0">
               <a:latin typeface="나눔스퀘어" panose="020B0600000101010101" pitchFamily="50" charset="-127"/>
               <a:ea typeface="나눔스퀘어" panose="020B0600000101010101" pitchFamily="50" charset="-127"/>
             </a:endParaRPr>
+          </a:p>
+          <a:p>
+            <a:pPr algn="ctr"/>
+            <a:r>
+              <a:rPr lang="en-US" altLang="ko-KR" dirty="0">
+                <a:latin typeface="나눔스퀘어" panose="020B0600000101010101" pitchFamily="50" charset="-127"/>
+                <a:ea typeface="나눔스퀘어" panose="020B0600000101010101" pitchFamily="50" charset="-127"/>
+              </a:rPr>
+              <a:t>Tokenizing </a:t>
+            </a:r>
+            <a:r>
+              <a:rPr lang="ko-KR" altLang="en-US" dirty="0">
+                <a:latin typeface="나눔스퀘어" panose="020B0600000101010101" pitchFamily="50" charset="-127"/>
+                <a:ea typeface="나눔스퀘어" panose="020B0600000101010101" pitchFamily="50" charset="-127"/>
+              </a:rPr>
+              <a:t>및 명사 추출</a:t>
+            </a:r>
           </a:p>
         </p:txBody>
       </p:sp>

--- a/2021_2 비정형데이터 프로젝트 결과보고서.pptx
+++ b/2021_2 비정형데이터 프로젝트 결과보고서.pptx
@@ -15365,7 +15365,7 @@
         </p:nvGraphicFramePr>
         <p:xfrm>
           <a:off x="7550590" y="1217277"/>
-          <a:ext cx="4220928" cy="4846320"/>
+          <a:ext cx="4220928" cy="4871720"/>
         </p:xfrm>
         <a:graphic>
           <a:graphicData uri="http://schemas.openxmlformats.org/drawingml/2006/table">
@@ -18599,7 +18599,14 @@
                 <a:latin typeface="나눔스퀘어" panose="020B0600000101010101" pitchFamily="50" charset="-127"/>
                 <a:ea typeface="나눔스퀘어" panose="020B0600000101010101" pitchFamily="50" charset="-127"/>
               </a:rPr>
-              <a:t>사용자 사전 생성 후 </a:t>
+              <a:t>사용자 사전 생성 </a:t>
+            </a:r>
+            <a:r>
+              <a:rPr lang="ko-KR" altLang="en-US" dirty="0" smtClean="0">
+                <a:latin typeface="나눔스퀘어" panose="020B0600000101010101" pitchFamily="50" charset="-127"/>
+                <a:ea typeface="나눔스퀘어" panose="020B0600000101010101" pitchFamily="50" charset="-127"/>
+              </a:rPr>
+              <a:t>및 </a:t>
             </a:r>
             <a:endParaRPr lang="en-US" altLang="ko-KR" dirty="0">
               <a:latin typeface="나눔스퀘어" panose="020B0600000101010101" pitchFamily="50" charset="-127"/>
@@ -18771,11 +18778,25 @@
           <a:p>
             <a:pPr algn="ctr"/>
             <a:r>
+              <a:rPr lang="ko-KR" altLang="en-US" dirty="0" smtClean="0">
+                <a:latin typeface="나눔스퀘어" panose="020B0600000101010101" pitchFamily="50" charset="-127"/>
+                <a:ea typeface="나눔스퀘어" panose="020B0600000101010101" pitchFamily="50" charset="-127"/>
+              </a:rPr>
+              <a:t>한글 형태소분석기</a:t>
+            </a:r>
+            <a:r>
+              <a:rPr lang="en-US" altLang="ko-KR" dirty="0" smtClean="0">
+                <a:latin typeface="나눔스퀘어" panose="020B0600000101010101" pitchFamily="50" charset="-127"/>
+                <a:ea typeface="나눔스퀘어" panose="020B0600000101010101" pitchFamily="50" charset="-127"/>
+              </a:rPr>
+              <a:t> </a:t>
+            </a:r>
+            <a:r>
               <a:rPr lang="en-US" altLang="ko-KR" dirty="0">
                 <a:latin typeface="나눔스퀘어" panose="020B0600000101010101" pitchFamily="50" charset="-127"/>
                 <a:ea typeface="나눔스퀘어" panose="020B0600000101010101" pitchFamily="50" charset="-127"/>
               </a:rPr>
-              <a:t>Konlpy + Komoran</a:t>
+              <a:t>Komoran</a:t>
             </a:r>
             <a:r>
               <a:rPr lang="ko-KR" altLang="en-US" dirty="0">

--- a/2021_2 비정형데이터 프로젝트 결과보고서.pptx
+++ b/2021_2 비정형데이터 프로젝트 결과보고서.pptx
@@ -269,6 +269,186 @@
     </p:ext>
   </p:extLst>
 </p:presentation>
+</file>
+
+<file path=ppt/revisionInfo.xml><?xml version="1.0" encoding="utf-8"?>
+<p1510:revInfo xmlns:a="http://schemas.openxmlformats.org/drawingml/2006/main" xmlns:r="http://schemas.openxmlformats.org/officeDocument/2006/relationships" xmlns:p1510="http://schemas.microsoft.com/office/powerpoint/2015/10/main">
+  <p1510:revLst>
+    <p1510:client id="{DA1C25F5-4A99-4163-8C7B-496E6F223495}" v="2" dt="2021-11-28T11:01:57.092"/>
+  </p1510:revLst>
+</p1510:revInfo>
+</file>
+
+<file path=ppt/changesInfos/changesInfo1.xml><?xml version="1.0" encoding="utf-8"?>
+<pc:chgInfo xmlns:a="http://schemas.openxmlformats.org/drawingml/2006/main" xmlns:r="http://schemas.openxmlformats.org/officeDocument/2006/relationships" xmlns:ac="http://schemas.microsoft.com/office/drawing/2013/main/command" xmlns:pc="http://schemas.microsoft.com/office/powerpoint/2013/main/command">
+  <pc:docChgLst>
+    <pc:chgData name="박순혁" userId="49149feb-085f-45d6-9c3e-b716774f309e" providerId="ADAL" clId="{DA1C25F5-4A99-4163-8C7B-496E6F223495}"/>
+    <pc:docChg chg="undo custSel modSld">
+      <pc:chgData name="박순혁" userId="49149feb-085f-45d6-9c3e-b716774f309e" providerId="ADAL" clId="{DA1C25F5-4A99-4163-8C7B-496E6F223495}" dt="2021-11-28T11:27:01.303" v="218" actId="1076"/>
+      <pc:docMkLst>
+        <pc:docMk/>
+      </pc:docMkLst>
+      <pc:sldChg chg="addSp modSp mod">
+        <pc:chgData name="박순혁" userId="49149feb-085f-45d6-9c3e-b716774f309e" providerId="ADAL" clId="{DA1C25F5-4A99-4163-8C7B-496E6F223495}" dt="2021-11-28T11:27:01.303" v="218" actId="1076"/>
+        <pc:sldMkLst>
+          <pc:docMk/>
+          <pc:sldMk cId="0" sldId="269"/>
+        </pc:sldMkLst>
+        <pc:spChg chg="mod">
+          <ac:chgData name="박순혁" userId="49149feb-085f-45d6-9c3e-b716774f309e" providerId="ADAL" clId="{DA1C25F5-4A99-4163-8C7B-496E6F223495}" dt="2021-11-28T11:25:28.958" v="211" actId="20577"/>
+          <ac:spMkLst>
+            <pc:docMk/>
+            <pc:sldMk cId="0" sldId="269"/>
+            <ac:spMk id="11" creationId="{9D82F491-5874-4C0D-B6A0-BAA90C24A919}"/>
+          </ac:spMkLst>
+        </pc:spChg>
+        <pc:spChg chg="add mod">
+          <ac:chgData name="박순혁" userId="49149feb-085f-45d6-9c3e-b716774f309e" providerId="ADAL" clId="{DA1C25F5-4A99-4163-8C7B-496E6F223495}" dt="2021-11-28T11:24:34.144" v="184"/>
+          <ac:spMkLst>
+            <pc:docMk/>
+            <pc:sldMk cId="0" sldId="269"/>
+            <ac:spMk id="13" creationId="{AD5A326E-9CC7-4D56-AA4F-EC603188C1EF}"/>
+          </ac:spMkLst>
+        </pc:spChg>
+        <pc:spChg chg="add mod">
+          <ac:chgData name="박순혁" userId="49149feb-085f-45d6-9c3e-b716774f309e" providerId="ADAL" clId="{DA1C25F5-4A99-4163-8C7B-496E6F223495}" dt="2021-11-28T11:24:34.144" v="184"/>
+          <ac:spMkLst>
+            <pc:docMk/>
+            <pc:sldMk cId="0" sldId="269"/>
+            <ac:spMk id="14" creationId="{E8ED54A8-1CA4-4CF9-90AE-5B20855F2B00}"/>
+          </ac:spMkLst>
+        </pc:spChg>
+        <pc:spChg chg="add mod">
+          <ac:chgData name="박순혁" userId="49149feb-085f-45d6-9c3e-b716774f309e" providerId="ADAL" clId="{DA1C25F5-4A99-4163-8C7B-496E6F223495}" dt="2021-11-28T11:24:34.144" v="184"/>
+          <ac:spMkLst>
+            <pc:docMk/>
+            <pc:sldMk cId="0" sldId="269"/>
+            <ac:spMk id="15" creationId="{6D775CF0-D8DF-4A5B-B717-90F9A4BF735C}"/>
+          </ac:spMkLst>
+        </pc:spChg>
+        <pc:graphicFrameChg chg="add mod modGraphic">
+          <ac:chgData name="박순혁" userId="49149feb-085f-45d6-9c3e-b716774f309e" providerId="ADAL" clId="{DA1C25F5-4A99-4163-8C7B-496E6F223495}" dt="2021-11-28T11:26:49.228" v="216" actId="122"/>
+          <ac:graphicFrameMkLst>
+            <pc:docMk/>
+            <pc:sldMk cId="0" sldId="269"/>
+            <ac:graphicFrameMk id="17" creationId="{34A21041-F402-4276-B2B2-577B6B1CC9D6}"/>
+          </ac:graphicFrameMkLst>
+        </pc:graphicFrameChg>
+        <pc:picChg chg="add mod ord">
+          <ac:chgData name="박순혁" userId="49149feb-085f-45d6-9c3e-b716774f309e" providerId="ADAL" clId="{DA1C25F5-4A99-4163-8C7B-496E6F223495}" dt="2021-11-28T11:25:02.849" v="191" actId="166"/>
+          <ac:picMkLst>
+            <pc:docMk/>
+            <pc:sldMk cId="0" sldId="269"/>
+            <ac:picMk id="3" creationId="{C4B9BE1F-0EF5-48EB-88DD-A1E4A8416F03}"/>
+          </ac:picMkLst>
+        </pc:picChg>
+        <pc:picChg chg="add mod ord">
+          <ac:chgData name="박순혁" userId="49149feb-085f-45d6-9c3e-b716774f309e" providerId="ADAL" clId="{DA1C25F5-4A99-4163-8C7B-496E6F223495}" dt="2021-11-28T11:27:01.303" v="218" actId="1076"/>
+          <ac:picMkLst>
+            <pc:docMk/>
+            <pc:sldMk cId="0" sldId="269"/>
+            <ac:picMk id="5" creationId="{25C93336-059D-43B1-8047-BF00762E1CD2}"/>
+          </ac:picMkLst>
+        </pc:picChg>
+      </pc:sldChg>
+      <pc:sldChg chg="addSp delSp modSp mod">
+        <pc:chgData name="박순혁" userId="49149feb-085f-45d6-9c3e-b716774f309e" providerId="ADAL" clId="{DA1C25F5-4A99-4163-8C7B-496E6F223495}" dt="2021-11-28T11:24:10.593" v="180" actId="122"/>
+        <pc:sldMkLst>
+          <pc:docMk/>
+          <pc:sldMk cId="1852625816" sldId="289"/>
+        </pc:sldMkLst>
+        <pc:spChg chg="add mod">
+          <ac:chgData name="박순혁" userId="49149feb-085f-45d6-9c3e-b716774f309e" providerId="ADAL" clId="{DA1C25F5-4A99-4163-8C7B-496E6F223495}" dt="2021-11-28T11:01:57.092" v="8" actId="767"/>
+          <ac:spMkLst>
+            <pc:docMk/>
+            <pc:sldMk cId="1852625816" sldId="289"/>
+            <ac:spMk id="4" creationId="{28783EC1-DB56-432A-B1B9-3CE02D7ADF91}"/>
+          </ac:spMkLst>
+        </pc:spChg>
+        <pc:spChg chg="add mod">
+          <ac:chgData name="박순혁" userId="49149feb-085f-45d6-9c3e-b716774f309e" providerId="ADAL" clId="{DA1C25F5-4A99-4163-8C7B-496E6F223495}" dt="2021-11-28T11:22:20.530" v="129" actId="12789"/>
+          <ac:spMkLst>
+            <pc:docMk/>
+            <pc:sldMk cId="1852625816" sldId="289"/>
+            <ac:spMk id="8" creationId="{3681441D-8EC1-43E8-84DC-730083BAF0C1}"/>
+          </ac:spMkLst>
+        </pc:spChg>
+        <pc:spChg chg="mod">
+          <ac:chgData name="박순혁" userId="49149feb-085f-45d6-9c3e-b716774f309e" providerId="ADAL" clId="{DA1C25F5-4A99-4163-8C7B-496E6F223495}" dt="2021-11-28T11:05:52.224" v="16" actId="20577"/>
+          <ac:spMkLst>
+            <pc:docMk/>
+            <pc:sldMk cId="1852625816" sldId="289"/>
+            <ac:spMk id="11" creationId="{3FD79193-5A91-4B08-B9C5-FB0721CE86A3}"/>
+          </ac:spMkLst>
+        </pc:spChg>
+        <pc:spChg chg="add del mod">
+          <ac:chgData name="박순혁" userId="49149feb-085f-45d6-9c3e-b716774f309e" providerId="ADAL" clId="{DA1C25F5-4A99-4163-8C7B-496E6F223495}" dt="2021-11-28T11:07:44.446" v="63" actId="478"/>
+          <ac:spMkLst>
+            <pc:docMk/>
+            <pc:sldMk cId="1852625816" sldId="289"/>
+            <ac:spMk id="17" creationId="{25BFD0A0-6B9D-47E1-B5D2-C7E0949AF07B}"/>
+          </ac:spMkLst>
+        </pc:spChg>
+        <pc:spChg chg="add mod">
+          <ac:chgData name="박순혁" userId="49149feb-085f-45d6-9c3e-b716774f309e" providerId="ADAL" clId="{DA1C25F5-4A99-4163-8C7B-496E6F223495}" dt="2021-11-28T11:22:20.530" v="129" actId="12789"/>
+          <ac:spMkLst>
+            <pc:docMk/>
+            <pc:sldMk cId="1852625816" sldId="289"/>
+            <ac:spMk id="18" creationId="{36AA7D6A-825B-4C53-98A3-F00BA542FDCC}"/>
+          </ac:spMkLst>
+        </pc:spChg>
+        <pc:spChg chg="add mod">
+          <ac:chgData name="박순혁" userId="49149feb-085f-45d6-9c3e-b716774f309e" providerId="ADAL" clId="{DA1C25F5-4A99-4163-8C7B-496E6F223495}" dt="2021-11-28T11:22:20.530" v="129" actId="12789"/>
+          <ac:spMkLst>
+            <pc:docMk/>
+            <pc:sldMk cId="1852625816" sldId="289"/>
+            <ac:spMk id="21" creationId="{69B500AE-2A0C-4509-B33F-9B232489F072}"/>
+          </ac:spMkLst>
+        </pc:spChg>
+        <pc:graphicFrameChg chg="add del mod modGraphic">
+          <ac:chgData name="박순혁" userId="49149feb-085f-45d6-9c3e-b716774f309e" providerId="ADAL" clId="{DA1C25F5-4A99-4163-8C7B-496E6F223495}" dt="2021-11-28T11:20:57.581" v="92" actId="478"/>
+          <ac:graphicFrameMkLst>
+            <pc:docMk/>
+            <pc:sldMk cId="1852625816" sldId="289"/>
+            <ac:graphicFrameMk id="9" creationId="{5AE08239-983F-437C-BA1B-56DBDCDEA2E5}"/>
+          </ac:graphicFrameMkLst>
+        </pc:graphicFrameChg>
+        <pc:graphicFrameChg chg="add mod modGraphic">
+          <ac:chgData name="박순혁" userId="49149feb-085f-45d6-9c3e-b716774f309e" providerId="ADAL" clId="{DA1C25F5-4A99-4163-8C7B-496E6F223495}" dt="2021-11-28T11:24:10.593" v="180" actId="122"/>
+          <ac:graphicFrameMkLst>
+            <pc:docMk/>
+            <pc:sldMk cId="1852625816" sldId="289"/>
+            <ac:graphicFrameMk id="13" creationId="{DE0950B1-D186-4C91-8744-87F724FCC438}"/>
+          </ac:graphicFrameMkLst>
+        </pc:graphicFrameChg>
+        <pc:picChg chg="add mod ord">
+          <ac:chgData name="박순혁" userId="49149feb-085f-45d6-9c3e-b716774f309e" providerId="ADAL" clId="{DA1C25F5-4A99-4163-8C7B-496E6F223495}" dt="2021-11-28T11:07:03.367" v="31" actId="166"/>
+          <ac:picMkLst>
+            <pc:docMk/>
+            <pc:sldMk cId="1852625816" sldId="289"/>
+            <ac:picMk id="3" creationId="{70A7AEB3-492D-455A-B521-F4E4BA1F37BF}"/>
+          </ac:picMkLst>
+        </pc:picChg>
+        <pc:picChg chg="add del mod">
+          <ac:chgData name="박순혁" userId="49149feb-085f-45d6-9c3e-b716774f309e" providerId="ADAL" clId="{DA1C25F5-4A99-4163-8C7B-496E6F223495}" dt="2021-11-28T11:06:29.291" v="18" actId="478"/>
+          <ac:picMkLst>
+            <pc:docMk/>
+            <pc:sldMk cId="1852625816" sldId="289"/>
+            <ac:picMk id="5" creationId="{004D29C0-BCEB-41AC-8274-A7857D66BC9B}"/>
+          </ac:picMkLst>
+        </pc:picChg>
+        <pc:picChg chg="add mod">
+          <ac:chgData name="박순혁" userId="49149feb-085f-45d6-9c3e-b716774f309e" providerId="ADAL" clId="{DA1C25F5-4A99-4163-8C7B-496E6F223495}" dt="2021-11-28T11:07:05.236" v="32" actId="1076"/>
+          <ac:picMkLst>
+            <pc:docMk/>
+            <pc:sldMk cId="1852625816" sldId="289"/>
+            <ac:picMk id="7" creationId="{AFB5C27C-CFBC-4F66-9D3A-DC847436D95B}"/>
+          </ac:picMkLst>
+        </pc:picChg>
+      </pc:sldChg>
+    </pc:docChg>
+  </pc:docChgLst>
+</pc:chgInfo>
 </file>
 
 <file path=ppt/notesMasters/notesMaster1.xml><?xml version="1.0" encoding="utf-8"?>
@@ -12737,6 +12917,36 @@
           <a:chExt cx="0" cy="0"/>
         </a:xfrm>
       </p:grpSpPr>
+      <p:pic>
+        <p:nvPicPr>
+          <p:cNvPr id="5" name="그림 4">
+            <a:extLst>
+              <a:ext uri="{FF2B5EF4-FFF2-40B4-BE49-F238E27FC236}">
+                <a16:creationId xmlns:a16="http://schemas.microsoft.com/office/drawing/2014/main" id="{25C93336-059D-43B1-8047-BF00762E1CD2}"/>
+              </a:ext>
+            </a:extLst>
+          </p:cNvPr>
+          <p:cNvPicPr>
+            <a:picLocks noChangeAspect="1"/>
+          </p:cNvPicPr>
+          <p:nvPr/>
+        </p:nvPicPr>
+        <p:blipFill>
+          <a:blip r:embed="rId3"/>
+          <a:stretch>
+            <a:fillRect/>
+          </a:stretch>
+        </p:blipFill>
+        <p:spPr>
+          <a:xfrm>
+            <a:off x="2350527" y="1326442"/>
+            <a:ext cx="8255383" cy="5100991"/>
+          </a:xfrm>
+          <a:prstGeom prst="rect">
+            <a:avLst/>
+          </a:prstGeom>
+        </p:spPr>
+      </p:pic>
       <p:cxnSp>
         <p:nvCxnSpPr>
           <p:cNvPr id="585" name="Google Shape;585;p27"/>
@@ -12913,7 +13123,7 @@
                 <a:latin typeface="나눔스퀘어" panose="020B0600000101010101" pitchFamily="50" charset="-127"/>
                 <a:ea typeface="나눔스퀘어" panose="020B0600000101010101" pitchFamily="50" charset="-127"/>
                 <a:sym typeface="Arial"/>
-                <a:hlinkClick r:id="rId3"/>
+                <a:hlinkClick r:id="rId4"/>
               </a:rPr>
               <a:t>지도</a:t>
             </a:r>
@@ -12925,7 +13135,7 @@
                 <a:latin typeface="나눔스퀘어" panose="020B0600000101010101" pitchFamily="50" charset="-127"/>
                 <a:ea typeface="나눔스퀘어" panose="020B0600000101010101" pitchFamily="50" charset="-127"/>
                 <a:sym typeface="Arial"/>
-                <a:hlinkClick r:id="rId3"/>
+                <a:hlinkClick r:id="rId4"/>
               </a:rPr>
               <a:t> </a:t>
             </a:r>
@@ -12937,7 +13147,7 @@
                 <a:latin typeface="나눔스퀘어" panose="020B0600000101010101" pitchFamily="50" charset="-127"/>
                 <a:ea typeface="나눔스퀘어" panose="020B0600000101010101" pitchFamily="50" charset="-127"/>
                 <a:sym typeface="Arial"/>
-                <a:hlinkClick r:id="rId3"/>
+                <a:hlinkClick r:id="rId4"/>
               </a:rPr>
               <a:t>출처</a:t>
             </a:r>
@@ -12949,7 +13159,7 @@
                 <a:latin typeface="나눔스퀘어" panose="020B0600000101010101" pitchFamily="50" charset="-127"/>
                 <a:ea typeface="나눔스퀘어" panose="020B0600000101010101" pitchFamily="50" charset="-127"/>
                 <a:sym typeface="Arial"/>
-                <a:hlinkClick r:id="rId3"/>
+                <a:hlinkClick r:id="rId4"/>
               </a:rPr>
               <a:t> © SimpleMaps.com: http://simplemaps.com/resources/svg-maps</a:t>
             </a:r>
@@ -13102,6 +13312,17 @@
                 </a:rPr>
                 <a:t>연도별 분석</a:t>
               </a:r>
+              <a:r>
+                <a:rPr lang="en-US" altLang="ko-KR" sz="2800" b="1" dirty="0">
+                  <a:solidFill>
+                    <a:schemeClr val="dk1"/>
+                  </a:solidFill>
+                  <a:latin typeface="나눔스퀘어" panose="020B0600000101010101" pitchFamily="50" charset="-127"/>
+                  <a:ea typeface="나눔스퀘어" panose="020B0600000101010101" pitchFamily="50" charset="-127"/>
+                  <a:sym typeface="Arial"/>
+                </a:rPr>
+                <a:t>(2021)</a:t>
+              </a:r>
               <a:endParaRPr dirty="0">
                 <a:latin typeface="나눔스퀘어" panose="020B0600000101010101" pitchFamily="50" charset="-127"/>
                 <a:ea typeface="나눔스퀘어" panose="020B0600000101010101" pitchFamily="50" charset="-127"/>
@@ -13142,6 +13363,752 @@
           </p:spPr>
         </p:cxnSp>
       </p:grpSp>
+      <p:sp>
+        <p:nvSpPr>
+          <p:cNvPr id="13" name="TextBox 12">
+            <a:extLst>
+              <a:ext uri="{FF2B5EF4-FFF2-40B4-BE49-F238E27FC236}">
+                <a16:creationId xmlns:a16="http://schemas.microsoft.com/office/drawing/2014/main" id="{AD5A326E-9CC7-4D56-AA4F-EC603188C1EF}"/>
+              </a:ext>
+            </a:extLst>
+          </p:cNvPr>
+          <p:cNvSpPr txBox="1"/>
+          <p:nvPr/>
+        </p:nvSpPr>
+        <p:spPr>
+          <a:xfrm>
+            <a:off x="690662" y="6040533"/>
+            <a:ext cx="3458690" cy="307777"/>
+          </a:xfrm>
+          <a:prstGeom prst="rect">
+            <a:avLst/>
+          </a:prstGeom>
+          <a:noFill/>
+        </p:spPr>
+        <p:txBody>
+          <a:bodyPr wrap="square" rtlCol="0">
+            <a:spAutoFit/>
+          </a:bodyPr>
+          <a:lstStyle/>
+          <a:p>
+            <a:pPr algn="ctr"/>
+            <a:r>
+              <a:rPr lang="en-US" altLang="ko-KR" dirty="0"/>
+              <a:t>Word Cloud</a:t>
+            </a:r>
+            <a:endParaRPr lang="ko-KR" altLang="en-US" dirty="0"/>
+          </a:p>
+        </p:txBody>
+      </p:sp>
+      <p:sp>
+        <p:nvSpPr>
+          <p:cNvPr id="14" name="TextBox 13">
+            <a:extLst>
+              <a:ext uri="{FF2B5EF4-FFF2-40B4-BE49-F238E27FC236}">
+                <a16:creationId xmlns:a16="http://schemas.microsoft.com/office/drawing/2014/main" id="{E8ED54A8-1CA4-4CF9-90AE-5B20855F2B00}"/>
+              </a:ext>
+            </a:extLst>
+          </p:cNvPr>
+          <p:cNvSpPr txBox="1"/>
+          <p:nvPr/>
+        </p:nvSpPr>
+        <p:spPr>
+          <a:xfrm>
+            <a:off x="8349396" y="6040533"/>
+            <a:ext cx="3458690" cy="307777"/>
+          </a:xfrm>
+          <a:prstGeom prst="rect">
+            <a:avLst/>
+          </a:prstGeom>
+          <a:noFill/>
+        </p:spPr>
+        <p:txBody>
+          <a:bodyPr wrap="square" rtlCol="0">
+            <a:spAutoFit/>
+          </a:bodyPr>
+          <a:lstStyle/>
+          <a:p>
+            <a:pPr algn="ctr"/>
+            <a:r>
+              <a:rPr lang="en-US" altLang="ko-KR" dirty="0"/>
+              <a:t>Network analysis(</a:t>
+            </a:r>
+            <a:r>
+              <a:rPr lang="en-US" altLang="ko-KR" b="0" i="0" dirty="0">
+                <a:solidFill>
+                  <a:srgbClr val="202124"/>
+                </a:solidFill>
+                <a:effectLst/>
+                <a:latin typeface="Apple SD Gothic Neo"/>
+              </a:rPr>
+              <a:t>statistics)</a:t>
+            </a:r>
+            <a:endParaRPr lang="ko-KR" altLang="en-US" dirty="0"/>
+          </a:p>
+        </p:txBody>
+      </p:sp>
+      <p:sp>
+        <p:nvSpPr>
+          <p:cNvPr id="15" name="TextBox 14">
+            <a:extLst>
+              <a:ext uri="{FF2B5EF4-FFF2-40B4-BE49-F238E27FC236}">
+                <a16:creationId xmlns:a16="http://schemas.microsoft.com/office/drawing/2014/main" id="{6D775CF0-D8DF-4A5B-B717-90F9A4BF735C}"/>
+              </a:ext>
+            </a:extLst>
+          </p:cNvPr>
+          <p:cNvSpPr txBox="1"/>
+          <p:nvPr/>
+        </p:nvSpPr>
+        <p:spPr>
+          <a:xfrm>
+            <a:off x="4974633" y="6040533"/>
+            <a:ext cx="3458690" cy="307777"/>
+          </a:xfrm>
+          <a:prstGeom prst="rect">
+            <a:avLst/>
+          </a:prstGeom>
+          <a:noFill/>
+        </p:spPr>
+        <p:txBody>
+          <a:bodyPr wrap="square" rtlCol="0">
+            <a:spAutoFit/>
+          </a:bodyPr>
+          <a:lstStyle/>
+          <a:p>
+            <a:pPr algn="ctr"/>
+            <a:r>
+              <a:rPr lang="en-US" altLang="ko-KR" dirty="0"/>
+              <a:t>Network analysis</a:t>
+            </a:r>
+            <a:endParaRPr lang="ko-KR" altLang="en-US" dirty="0"/>
+          </a:p>
+        </p:txBody>
+      </p:sp>
+      <p:pic>
+        <p:nvPicPr>
+          <p:cNvPr id="3" name="그림 2">
+            <a:extLst>
+              <a:ext uri="{FF2B5EF4-FFF2-40B4-BE49-F238E27FC236}">
+                <a16:creationId xmlns:a16="http://schemas.microsoft.com/office/drawing/2014/main" id="{C4B9BE1F-0EF5-48EB-88DD-A1E4A8416F03}"/>
+              </a:ext>
+            </a:extLst>
+          </p:cNvPr>
+          <p:cNvPicPr>
+            <a:picLocks noChangeAspect="1"/>
+          </p:cNvPicPr>
+          <p:nvPr/>
+        </p:nvPicPr>
+        <p:blipFill>
+          <a:blip r:embed="rId5"/>
+          <a:stretch>
+            <a:fillRect/>
+          </a:stretch>
+        </p:blipFill>
+        <p:spPr>
+          <a:xfrm>
+            <a:off x="584200" y="2067117"/>
+            <a:ext cx="4022841" cy="3988340"/>
+          </a:xfrm>
+          <a:prstGeom prst="rect">
+            <a:avLst/>
+          </a:prstGeom>
+        </p:spPr>
+      </p:pic>
+      <p:graphicFrame>
+        <p:nvGraphicFramePr>
+          <p:cNvPr id="17" name="표 13">
+            <a:extLst>
+              <a:ext uri="{FF2B5EF4-FFF2-40B4-BE49-F238E27FC236}">
+                <a16:creationId xmlns:a16="http://schemas.microsoft.com/office/drawing/2014/main" id="{34A21041-F402-4276-B2B2-577B6B1CC9D6}"/>
+              </a:ext>
+            </a:extLst>
+          </p:cNvPr>
+          <p:cNvGraphicFramePr>
+            <a:graphicFrameLocks noGrp="1"/>
+          </p:cNvGraphicFramePr>
+          <p:nvPr>
+            <p:extLst>
+              <p:ext uri="{D42A27DB-BD31-4B8C-83A1-F6EECF244321}">
+                <p14:modId xmlns:p14="http://schemas.microsoft.com/office/powerpoint/2010/main" val="455232929"/>
+              </p:ext>
+            </p:extLst>
+          </p:nvPr>
+        </p:nvGraphicFramePr>
+        <p:xfrm>
+          <a:off x="8349396" y="2063240"/>
+          <a:ext cx="3628946" cy="3959549"/>
+        </p:xfrm>
+        <a:graphic>
+          <a:graphicData uri="http://schemas.openxmlformats.org/drawingml/2006/table">
+            <a:tbl>
+              <a:tblPr firstRow="1" bandRow="1">
+                <a:tableStyleId>{F5AB1C69-6EDB-4FF4-983F-18BD219EF322}</a:tableStyleId>
+              </a:tblPr>
+              <a:tblGrid>
+                <a:gridCol w="1814473">
+                  <a:extLst>
+                    <a:ext uri="{9D8B030D-6E8A-4147-A177-3AD203B41FA5}">
+                      <a16:colId xmlns:a16="http://schemas.microsoft.com/office/drawing/2014/main" val="1544664563"/>
+                    </a:ext>
+                  </a:extLst>
+                </a:gridCol>
+                <a:gridCol w="1814473">
+                  <a:extLst>
+                    <a:ext uri="{9D8B030D-6E8A-4147-A177-3AD203B41FA5}">
+                      <a16:colId xmlns:a16="http://schemas.microsoft.com/office/drawing/2014/main" val="1131738866"/>
+                    </a:ext>
+                  </a:extLst>
+                </a:gridCol>
+              </a:tblGrid>
+              <a:tr h="359959">
+                <a:tc>
+                  <a:txBody>
+                    <a:bodyPr/>
+                    <a:lstStyle/>
+                    <a:p>
+                      <a:pPr algn="ctr" fontAlgn="ctr"/>
+                      <a:r>
+                        <a:rPr lang="en-US" sz="1200" b="0" i="0" u="none" strike="noStrike" dirty="0">
+                          <a:solidFill>
+                            <a:schemeClr val="tx1"/>
+                          </a:solidFill>
+                          <a:effectLst/>
+                          <a:latin typeface="맑은 고딕" panose="020B0503020000020004" pitchFamily="50" charset="-127"/>
+                          <a:ea typeface="맑은 고딕" panose="020B0503020000020004" pitchFamily="50" charset="-127"/>
+                        </a:rPr>
+                        <a:t>Word</a:t>
+                      </a:r>
+                    </a:p>
+                  </a:txBody>
+                  <a:tcPr marL="7620" marR="7620" marT="7620" marB="0" anchor="ctr"/>
+                </a:tc>
+                <a:tc>
+                  <a:txBody>
+                    <a:bodyPr/>
+                    <a:lstStyle/>
+                    <a:p>
+                      <a:pPr algn="ctr" fontAlgn="ctr"/>
+                      <a:r>
+                        <a:rPr lang="en-US" sz="1200" b="0" u="none" strike="noStrike" dirty="0">
+                          <a:solidFill>
+                            <a:schemeClr val="tx1"/>
+                          </a:solidFill>
+                          <a:effectLst/>
+                        </a:rPr>
+                        <a:t>Betweenness Centrality</a:t>
+                      </a:r>
+                      <a:endParaRPr lang="en-US" sz="1200" b="0" i="0" u="none" strike="noStrike" dirty="0">
+                        <a:solidFill>
+                          <a:schemeClr val="tx1"/>
+                        </a:solidFill>
+                        <a:effectLst/>
+                        <a:latin typeface="맑은 고딕" panose="020B0503020000020004" pitchFamily="50" charset="-127"/>
+                        <a:ea typeface="맑은 고딕" panose="020B0503020000020004" pitchFamily="50" charset="-127"/>
+                      </a:endParaRPr>
+                    </a:p>
+                  </a:txBody>
+                  <a:tcPr marL="7620" marR="7620" marT="7620" marB="0" anchor="ctr"/>
+                </a:tc>
+                <a:extLst>
+                  <a:ext uri="{0D108BD9-81ED-4DB2-BD59-A6C34878D82A}">
+                    <a16:rowId xmlns:a16="http://schemas.microsoft.com/office/drawing/2014/main" val="1944304092"/>
+                  </a:ext>
+                </a:extLst>
+              </a:tr>
+              <a:tr h="359959">
+                <a:tc>
+                  <a:txBody>
+                    <a:bodyPr/>
+                    <a:lstStyle/>
+                    <a:p>
+                      <a:pPr algn="ctr" fontAlgn="ctr"/>
+                      <a:r>
+                        <a:rPr lang="ko-KR" altLang="en-US" sz="1100" b="0" i="0" u="none" strike="noStrike" dirty="0">
+                          <a:solidFill>
+                            <a:srgbClr val="000000"/>
+                          </a:solidFill>
+                          <a:effectLst/>
+                          <a:latin typeface="맑은 고딕" panose="020B0503020000020004" pitchFamily="50" charset="-127"/>
+                          <a:ea typeface="맑은 고딕" panose="020B0503020000020004" pitchFamily="50" charset="-127"/>
+                        </a:rPr>
+                        <a:t>변화</a:t>
+                      </a:r>
+                    </a:p>
+                  </a:txBody>
+                  <a:tcPr marL="7620" marR="7620" marT="7620" marB="0" anchor="ctr"/>
+                </a:tc>
+                <a:tc>
+                  <a:txBody>
+                    <a:bodyPr/>
+                    <a:lstStyle/>
+                    <a:p>
+                      <a:pPr algn="ctr" fontAlgn="ctr"/>
+                      <a:r>
+                        <a:rPr lang="en-US" altLang="ko-KR" sz="1100" b="0" i="0" u="none" strike="noStrike" dirty="0">
+                          <a:solidFill>
+                            <a:srgbClr val="000000"/>
+                          </a:solidFill>
+                          <a:effectLst/>
+                          <a:latin typeface="맑은 고딕" panose="020B0503020000020004" pitchFamily="50" charset="-127"/>
+                          <a:ea typeface="맑은 고딕" panose="020B0503020000020004" pitchFamily="50" charset="-127"/>
+                        </a:rPr>
+                        <a:t>26960.28</a:t>
+                      </a:r>
+                    </a:p>
+                  </a:txBody>
+                  <a:tcPr marL="7620" marR="7620" marT="7620" marB="0" anchor="ctr"/>
+                </a:tc>
+                <a:extLst>
+                  <a:ext uri="{0D108BD9-81ED-4DB2-BD59-A6C34878D82A}">
+                    <a16:rowId xmlns:a16="http://schemas.microsoft.com/office/drawing/2014/main" val="707136689"/>
+                  </a:ext>
+                </a:extLst>
+              </a:tr>
+              <a:tr h="359959">
+                <a:tc>
+                  <a:txBody>
+                    <a:bodyPr/>
+                    <a:lstStyle/>
+                    <a:p>
+                      <a:pPr algn="ctr" fontAlgn="ctr"/>
+                      <a:r>
+                        <a:rPr lang="ko-KR" altLang="en-US" sz="1100" b="0" i="0" u="none" strike="noStrike">
+                          <a:solidFill>
+                            <a:srgbClr val="000000"/>
+                          </a:solidFill>
+                          <a:effectLst/>
+                          <a:latin typeface="맑은 고딕" panose="020B0503020000020004" pitchFamily="50" charset="-127"/>
+                          <a:ea typeface="맑은 고딕" panose="020B0503020000020004" pitchFamily="50" charset="-127"/>
+                        </a:rPr>
+                        <a:t>성장</a:t>
+                      </a:r>
+                    </a:p>
+                  </a:txBody>
+                  <a:tcPr marL="7620" marR="7620" marT="7620" marB="0" anchor="ctr"/>
+                </a:tc>
+                <a:tc>
+                  <a:txBody>
+                    <a:bodyPr/>
+                    <a:lstStyle/>
+                    <a:p>
+                      <a:pPr algn="ctr" fontAlgn="ctr"/>
+                      <a:r>
+                        <a:rPr lang="en-US" altLang="ko-KR" sz="1100" b="0" i="0" u="none" strike="noStrike">
+                          <a:solidFill>
+                            <a:srgbClr val="000000"/>
+                          </a:solidFill>
+                          <a:effectLst/>
+                          <a:latin typeface="맑은 고딕" panose="020B0503020000020004" pitchFamily="50" charset="-127"/>
+                          <a:ea typeface="맑은 고딕" panose="020B0503020000020004" pitchFamily="50" charset="-127"/>
+                        </a:rPr>
+                        <a:t>26349.87</a:t>
+                      </a:r>
+                    </a:p>
+                  </a:txBody>
+                  <a:tcPr marL="7620" marR="7620" marT="7620" marB="0" anchor="ctr"/>
+                </a:tc>
+                <a:extLst>
+                  <a:ext uri="{0D108BD9-81ED-4DB2-BD59-A6C34878D82A}">
+                    <a16:rowId xmlns:a16="http://schemas.microsoft.com/office/drawing/2014/main" val="1799021016"/>
+                  </a:ext>
+                </a:extLst>
+              </a:tr>
+              <a:tr h="359959">
+                <a:tc>
+                  <a:txBody>
+                    <a:bodyPr/>
+                    <a:lstStyle/>
+                    <a:p>
+                      <a:pPr algn="ctr" fontAlgn="ctr"/>
+                      <a:r>
+                        <a:rPr lang="ko-KR" altLang="en-US" sz="1100" b="0" i="0" u="none" strike="noStrike" dirty="0">
+                          <a:solidFill>
+                            <a:srgbClr val="000000"/>
+                          </a:solidFill>
+                          <a:effectLst/>
+                          <a:latin typeface="맑은 고딕" panose="020B0503020000020004" pitchFamily="50" charset="-127"/>
+                          <a:ea typeface="맑은 고딕" panose="020B0503020000020004" pitchFamily="50" charset="-127"/>
+                        </a:rPr>
+                        <a:t>혁신</a:t>
+                      </a:r>
+                    </a:p>
+                  </a:txBody>
+                  <a:tcPr marL="7620" marR="7620" marT="7620" marB="0" anchor="ctr"/>
+                </a:tc>
+                <a:tc>
+                  <a:txBody>
+                    <a:bodyPr/>
+                    <a:lstStyle/>
+                    <a:p>
+                      <a:pPr algn="ctr" fontAlgn="ctr"/>
+                      <a:r>
+                        <a:rPr lang="en-US" altLang="ko-KR" sz="1100" b="0" i="0" u="none" strike="noStrike">
+                          <a:solidFill>
+                            <a:srgbClr val="000000"/>
+                          </a:solidFill>
+                          <a:effectLst/>
+                          <a:latin typeface="맑은 고딕" panose="020B0503020000020004" pitchFamily="50" charset="-127"/>
+                          <a:ea typeface="맑은 고딕" panose="020B0503020000020004" pitchFamily="50" charset="-127"/>
+                        </a:rPr>
+                        <a:t>25319.76</a:t>
+                      </a:r>
+                    </a:p>
+                  </a:txBody>
+                  <a:tcPr marL="7620" marR="7620" marT="7620" marB="0" anchor="ctr"/>
+                </a:tc>
+                <a:extLst>
+                  <a:ext uri="{0D108BD9-81ED-4DB2-BD59-A6C34878D82A}">
+                    <a16:rowId xmlns:a16="http://schemas.microsoft.com/office/drawing/2014/main" val="49457894"/>
+                  </a:ext>
+                </a:extLst>
+              </a:tr>
+              <a:tr h="359959">
+                <a:tc>
+                  <a:txBody>
+                    <a:bodyPr/>
+                    <a:lstStyle/>
+                    <a:p>
+                      <a:pPr algn="ctr" fontAlgn="ctr"/>
+                      <a:r>
+                        <a:rPr lang="ko-KR" altLang="en-US" sz="1100" b="0" i="0" u="none" strike="noStrike">
+                          <a:solidFill>
+                            <a:srgbClr val="000000"/>
+                          </a:solidFill>
+                          <a:effectLst/>
+                          <a:latin typeface="맑은 고딕" panose="020B0503020000020004" pitchFamily="50" charset="-127"/>
+                          <a:ea typeface="맑은 고딕" panose="020B0503020000020004" pitchFamily="50" charset="-127"/>
+                        </a:rPr>
+                        <a:t>기업</a:t>
+                      </a:r>
+                    </a:p>
+                  </a:txBody>
+                  <a:tcPr marL="7620" marR="7620" marT="7620" marB="0" anchor="ctr"/>
+                </a:tc>
+                <a:tc>
+                  <a:txBody>
+                    <a:bodyPr/>
+                    <a:lstStyle/>
+                    <a:p>
+                      <a:pPr algn="ctr" fontAlgn="ctr"/>
+                      <a:r>
+                        <a:rPr lang="en-US" altLang="ko-KR" sz="1100" b="0" i="0" u="none" strike="noStrike" dirty="0">
+                          <a:solidFill>
+                            <a:srgbClr val="000000"/>
+                          </a:solidFill>
+                          <a:effectLst/>
+                          <a:latin typeface="맑은 고딕" panose="020B0503020000020004" pitchFamily="50" charset="-127"/>
+                          <a:ea typeface="맑은 고딕" panose="020B0503020000020004" pitchFamily="50" charset="-127"/>
+                        </a:rPr>
+                        <a:t>25292.75</a:t>
+                      </a:r>
+                    </a:p>
+                  </a:txBody>
+                  <a:tcPr marL="7620" marR="7620" marT="7620" marB="0" anchor="ctr"/>
+                </a:tc>
+                <a:extLst>
+                  <a:ext uri="{0D108BD9-81ED-4DB2-BD59-A6C34878D82A}">
+                    <a16:rowId xmlns:a16="http://schemas.microsoft.com/office/drawing/2014/main" val="566852686"/>
+                  </a:ext>
+                </a:extLst>
+              </a:tr>
+              <a:tr h="359959">
+                <a:tc>
+                  <a:txBody>
+                    <a:bodyPr/>
+                    <a:lstStyle/>
+                    <a:p>
+                      <a:pPr algn="ctr" fontAlgn="ctr"/>
+                      <a:r>
+                        <a:rPr lang="ko-KR" altLang="en-US" sz="1100" b="0" i="0" u="none" strike="noStrike">
+                          <a:solidFill>
+                            <a:srgbClr val="000000"/>
+                          </a:solidFill>
+                          <a:effectLst/>
+                          <a:latin typeface="맑은 고딕" panose="020B0503020000020004" pitchFamily="50" charset="-127"/>
+                          <a:ea typeface="맑은 고딕" panose="020B0503020000020004" pitchFamily="50" charset="-127"/>
+                        </a:rPr>
+                        <a:t>경영</a:t>
+                      </a:r>
+                    </a:p>
+                  </a:txBody>
+                  <a:tcPr marL="7620" marR="7620" marT="7620" marB="0" anchor="ctr"/>
+                </a:tc>
+                <a:tc>
+                  <a:txBody>
+                    <a:bodyPr/>
+                    <a:lstStyle/>
+                    <a:p>
+                      <a:pPr algn="ctr" fontAlgn="ctr"/>
+                      <a:r>
+                        <a:rPr lang="en-US" altLang="ko-KR" sz="1100" b="0" i="0" u="none" strike="noStrike" dirty="0">
+                          <a:solidFill>
+                            <a:srgbClr val="000000"/>
+                          </a:solidFill>
+                          <a:effectLst/>
+                          <a:latin typeface="맑은 고딕" panose="020B0503020000020004" pitchFamily="50" charset="-127"/>
+                          <a:ea typeface="맑은 고딕" panose="020B0503020000020004" pitchFamily="50" charset="-127"/>
+                        </a:rPr>
+                        <a:t>25253.04</a:t>
+                      </a:r>
+                    </a:p>
+                  </a:txBody>
+                  <a:tcPr marL="7620" marR="7620" marT="7620" marB="0" anchor="ctr"/>
+                </a:tc>
+                <a:extLst>
+                  <a:ext uri="{0D108BD9-81ED-4DB2-BD59-A6C34878D82A}">
+                    <a16:rowId xmlns:a16="http://schemas.microsoft.com/office/drawing/2014/main" val="4103785329"/>
+                  </a:ext>
+                </a:extLst>
+              </a:tr>
+              <a:tr h="359959">
+                <a:tc>
+                  <a:txBody>
+                    <a:bodyPr/>
+                    <a:lstStyle/>
+                    <a:p>
+                      <a:pPr algn="ctr" fontAlgn="ctr"/>
+                      <a:r>
+                        <a:rPr lang="ko-KR" altLang="en-US" sz="1100" b="0" i="0" u="none" strike="noStrike">
+                          <a:solidFill>
+                            <a:srgbClr val="000000"/>
+                          </a:solidFill>
+                          <a:effectLst/>
+                          <a:latin typeface="맑은 고딕" panose="020B0503020000020004" pitchFamily="50" charset="-127"/>
+                          <a:ea typeface="맑은 고딕" panose="020B0503020000020004" pitchFamily="50" charset="-127"/>
+                        </a:rPr>
+                        <a:t>환경</a:t>
+                      </a:r>
+                    </a:p>
+                  </a:txBody>
+                  <a:tcPr marL="7620" marR="7620" marT="7620" marB="0" anchor="ctr"/>
+                </a:tc>
+                <a:tc>
+                  <a:txBody>
+                    <a:bodyPr/>
+                    <a:lstStyle/>
+                    <a:p>
+                      <a:pPr algn="ctr" fontAlgn="ctr"/>
+                      <a:r>
+                        <a:rPr lang="en-US" altLang="ko-KR" sz="1100" b="0" i="0" u="none" strike="noStrike" dirty="0">
+                          <a:solidFill>
+                            <a:srgbClr val="000000"/>
+                          </a:solidFill>
+                          <a:effectLst/>
+                          <a:latin typeface="맑은 고딕" panose="020B0503020000020004" pitchFamily="50" charset="-127"/>
+                          <a:ea typeface="맑은 고딕" panose="020B0503020000020004" pitchFamily="50" charset="-127"/>
+                        </a:rPr>
+                        <a:t>22830.34</a:t>
+                      </a:r>
+                    </a:p>
+                  </a:txBody>
+                  <a:tcPr marL="7620" marR="7620" marT="7620" marB="0" anchor="ctr"/>
+                </a:tc>
+                <a:extLst>
+                  <a:ext uri="{0D108BD9-81ED-4DB2-BD59-A6C34878D82A}">
+                    <a16:rowId xmlns:a16="http://schemas.microsoft.com/office/drawing/2014/main" val="2451041666"/>
+                  </a:ext>
+                </a:extLst>
+              </a:tr>
+              <a:tr h="359959">
+                <a:tc>
+                  <a:txBody>
+                    <a:bodyPr/>
+                    <a:lstStyle/>
+                    <a:p>
+                      <a:pPr algn="ctr" fontAlgn="ctr"/>
+                      <a:r>
+                        <a:rPr lang="ko-KR" altLang="en-US" sz="1100" b="0" i="0" u="none" strike="noStrike">
+                          <a:solidFill>
+                            <a:srgbClr val="000000"/>
+                          </a:solidFill>
+                          <a:effectLst/>
+                          <a:latin typeface="맑은 고딕" panose="020B0503020000020004" pitchFamily="50" charset="-127"/>
+                          <a:ea typeface="맑은 고딕" panose="020B0503020000020004" pitchFamily="50" charset="-127"/>
+                        </a:rPr>
+                        <a:t>시장</a:t>
+                      </a:r>
+                    </a:p>
+                  </a:txBody>
+                  <a:tcPr marL="7620" marR="7620" marT="7620" marB="0" anchor="ctr"/>
+                </a:tc>
+                <a:tc>
+                  <a:txBody>
+                    <a:bodyPr/>
+                    <a:lstStyle/>
+                    <a:p>
+                      <a:pPr algn="ctr" fontAlgn="ctr"/>
+                      <a:r>
+                        <a:rPr lang="en-US" altLang="ko-KR" sz="1100" b="0" i="0" u="none" strike="noStrike" dirty="0">
+                          <a:solidFill>
+                            <a:srgbClr val="000000"/>
+                          </a:solidFill>
+                          <a:effectLst/>
+                          <a:latin typeface="맑은 고딕" panose="020B0503020000020004" pitchFamily="50" charset="-127"/>
+                          <a:ea typeface="맑은 고딕" panose="020B0503020000020004" pitchFamily="50" charset="-127"/>
+                        </a:rPr>
+                        <a:t>22263.65</a:t>
+                      </a:r>
+                    </a:p>
+                  </a:txBody>
+                  <a:tcPr marL="7620" marR="7620" marT="7620" marB="0" anchor="ctr"/>
+                </a:tc>
+                <a:extLst>
+                  <a:ext uri="{0D108BD9-81ED-4DB2-BD59-A6C34878D82A}">
+                    <a16:rowId xmlns:a16="http://schemas.microsoft.com/office/drawing/2014/main" val="2783229695"/>
+                  </a:ext>
+                </a:extLst>
+              </a:tr>
+              <a:tr h="359959">
+                <a:tc>
+                  <a:txBody>
+                    <a:bodyPr/>
+                    <a:lstStyle/>
+                    <a:p>
+                      <a:pPr algn="ctr" fontAlgn="ctr"/>
+                      <a:r>
+                        <a:rPr lang="ko-KR" altLang="en-US" sz="1100" b="0" i="0" u="none" strike="noStrike">
+                          <a:solidFill>
+                            <a:srgbClr val="000000"/>
+                          </a:solidFill>
+                          <a:effectLst/>
+                          <a:latin typeface="맑은 고딕" panose="020B0503020000020004" pitchFamily="50" charset="-127"/>
+                          <a:ea typeface="맑은 고딕" panose="020B0503020000020004" pitchFamily="50" charset="-127"/>
+                        </a:rPr>
+                        <a:t>사업</a:t>
+                      </a:r>
+                    </a:p>
+                  </a:txBody>
+                  <a:tcPr marL="7620" marR="7620" marT="7620" marB="0" anchor="ctr"/>
+                </a:tc>
+                <a:tc>
+                  <a:txBody>
+                    <a:bodyPr/>
+                    <a:lstStyle/>
+                    <a:p>
+                      <a:pPr algn="ctr" fontAlgn="ctr"/>
+                      <a:r>
+                        <a:rPr lang="en-US" altLang="ko-KR" sz="1100" b="0" i="0" u="none" strike="noStrike" dirty="0">
+                          <a:solidFill>
+                            <a:srgbClr val="000000"/>
+                          </a:solidFill>
+                          <a:effectLst/>
+                          <a:latin typeface="맑은 고딕" panose="020B0503020000020004" pitchFamily="50" charset="-127"/>
+                          <a:ea typeface="맑은 고딕" panose="020B0503020000020004" pitchFamily="50" charset="-127"/>
+                        </a:rPr>
+                        <a:t>21838.6</a:t>
+                      </a:r>
+                    </a:p>
+                  </a:txBody>
+                  <a:tcPr marL="7620" marR="7620" marT="7620" marB="0" anchor="ctr"/>
+                </a:tc>
+                <a:extLst>
+                  <a:ext uri="{0D108BD9-81ED-4DB2-BD59-A6C34878D82A}">
+                    <a16:rowId xmlns:a16="http://schemas.microsoft.com/office/drawing/2014/main" val="4073191641"/>
+                  </a:ext>
+                </a:extLst>
+              </a:tr>
+              <a:tr h="359959">
+                <a:tc>
+                  <a:txBody>
+                    <a:bodyPr/>
+                    <a:lstStyle/>
+                    <a:p>
+                      <a:pPr algn="ctr" fontAlgn="ctr"/>
+                      <a:r>
+                        <a:rPr lang="ko-KR" altLang="en-US" sz="1100" b="0" i="0" u="none" strike="noStrike">
+                          <a:solidFill>
+                            <a:srgbClr val="000000"/>
+                          </a:solidFill>
+                          <a:effectLst/>
+                          <a:latin typeface="맑은 고딕" panose="020B0503020000020004" pitchFamily="50" charset="-127"/>
+                          <a:ea typeface="맑은 고딕" panose="020B0503020000020004" pitchFamily="50" charset="-127"/>
+                        </a:rPr>
+                        <a:t>기반</a:t>
+                      </a:r>
+                    </a:p>
+                  </a:txBody>
+                  <a:tcPr marL="7620" marR="7620" marT="7620" marB="0" anchor="ctr"/>
+                </a:tc>
+                <a:tc>
+                  <a:txBody>
+                    <a:bodyPr/>
+                    <a:lstStyle/>
+                    <a:p>
+                      <a:pPr algn="ctr" fontAlgn="ctr"/>
+                      <a:r>
+                        <a:rPr lang="en-US" altLang="ko-KR" sz="1100" b="0" i="0" u="none" strike="noStrike" dirty="0">
+                          <a:solidFill>
+                            <a:srgbClr val="000000"/>
+                          </a:solidFill>
+                          <a:effectLst/>
+                          <a:latin typeface="맑은 고딕" panose="020B0503020000020004" pitchFamily="50" charset="-127"/>
+                          <a:ea typeface="맑은 고딕" panose="020B0503020000020004" pitchFamily="50" charset="-127"/>
+                        </a:rPr>
+                        <a:t>21822.76</a:t>
+                      </a:r>
+                    </a:p>
+                  </a:txBody>
+                  <a:tcPr marL="7620" marR="7620" marT="7620" marB="0" anchor="ctr"/>
+                </a:tc>
+                <a:extLst>
+                  <a:ext uri="{0D108BD9-81ED-4DB2-BD59-A6C34878D82A}">
+                    <a16:rowId xmlns:a16="http://schemas.microsoft.com/office/drawing/2014/main" val="4100684766"/>
+                  </a:ext>
+                </a:extLst>
+              </a:tr>
+              <a:tr h="359959">
+                <a:tc>
+                  <a:txBody>
+                    <a:bodyPr/>
+                    <a:lstStyle/>
+                    <a:p>
+                      <a:pPr algn="ctr" fontAlgn="ctr"/>
+                      <a:r>
+                        <a:rPr lang="ko-KR" altLang="en-US" sz="1100" b="0" i="0" u="none" strike="noStrike" dirty="0">
+                          <a:solidFill>
+                            <a:srgbClr val="000000"/>
+                          </a:solidFill>
+                          <a:effectLst/>
+                          <a:latin typeface="맑은 고딕" panose="020B0503020000020004" pitchFamily="50" charset="-127"/>
+                          <a:ea typeface="맑은 고딕" panose="020B0503020000020004" pitchFamily="50" charset="-127"/>
+                        </a:rPr>
+                        <a:t>코로나</a:t>
+                      </a:r>
+                    </a:p>
+                  </a:txBody>
+                  <a:tcPr marL="7620" marR="7620" marT="7620" marB="0" anchor="ctr"/>
+                </a:tc>
+                <a:tc>
+                  <a:txBody>
+                    <a:bodyPr/>
+                    <a:lstStyle/>
+                    <a:p>
+                      <a:pPr algn="ctr" fontAlgn="ctr"/>
+                      <a:r>
+                        <a:rPr lang="en-US" altLang="ko-KR" sz="1100" b="0" i="0" u="none" strike="noStrike" dirty="0">
+                          <a:solidFill>
+                            <a:srgbClr val="000000"/>
+                          </a:solidFill>
+                          <a:effectLst/>
+                          <a:latin typeface="맑은 고딕" panose="020B0503020000020004" pitchFamily="50" charset="-127"/>
+                          <a:ea typeface="맑은 고딕" panose="020B0503020000020004" pitchFamily="50" charset="-127"/>
+                        </a:rPr>
+                        <a:t>21683.39</a:t>
+                      </a:r>
+                    </a:p>
+                  </a:txBody>
+                  <a:tcPr marL="7620" marR="7620" marT="7620" marB="0" anchor="ctr"/>
+                </a:tc>
+                <a:extLst>
+                  <a:ext uri="{0D108BD9-81ED-4DB2-BD59-A6C34878D82A}">
+                    <a16:rowId xmlns:a16="http://schemas.microsoft.com/office/drawing/2014/main" val="212532299"/>
+                  </a:ext>
+                </a:extLst>
+              </a:tr>
+            </a:tbl>
+          </a:graphicData>
+        </a:graphic>
+      </p:graphicFrame>
     </p:spTree>
   </p:cSld>
   <p:clrMapOvr>
@@ -13543,6 +14510,17 @@
                 </a:rPr>
                 <a:t> 분석</a:t>
               </a:r>
+              <a:r>
+                <a:rPr lang="en-US" altLang="ko-KR" sz="2800" b="1" dirty="0">
+                  <a:solidFill>
+                    <a:schemeClr val="dk1"/>
+                  </a:solidFill>
+                  <a:latin typeface="나눔스퀘어" panose="020B0600000101010101" pitchFamily="50" charset="-127"/>
+                  <a:ea typeface="나눔스퀘어" panose="020B0600000101010101" pitchFamily="50" charset="-127"/>
+                  <a:sym typeface="Arial"/>
+                </a:rPr>
+                <a:t>(IT)</a:t>
+              </a:r>
               <a:endParaRPr dirty="0">
                 <a:latin typeface="나눔스퀘어" panose="020B0600000101010101" pitchFamily="50" charset="-127"/>
                 <a:ea typeface="나눔스퀘어" panose="020B0600000101010101" pitchFamily="50" charset="-127"/>
@@ -13583,6 +14561,934 @@
           </p:spPr>
         </p:cxnSp>
       </p:grpSp>
+      <p:sp>
+        <p:nvSpPr>
+          <p:cNvPr id="4" name="TextBox 3">
+            <a:extLst>
+              <a:ext uri="{FF2B5EF4-FFF2-40B4-BE49-F238E27FC236}">
+                <a16:creationId xmlns:a16="http://schemas.microsoft.com/office/drawing/2014/main" id="{28783EC1-DB56-432A-B1B9-3CE02D7ADF91}"/>
+              </a:ext>
+            </a:extLst>
+          </p:cNvPr>
+          <p:cNvSpPr txBox="1"/>
+          <p:nvPr/>
+        </p:nvSpPr>
+        <p:spPr>
+          <a:xfrm>
+            <a:off x="5646906" y="3069076"/>
+            <a:ext cx="914400" cy="914400"/>
+          </a:xfrm>
+          <a:prstGeom prst="rect">
+            <a:avLst/>
+          </a:prstGeom>
+          <a:noFill/>
+        </p:spPr>
+        <p:txBody>
+          <a:bodyPr wrap="square" rtlCol="0">
+            <a:spAutoFit/>
+          </a:bodyPr>
+          <a:lstStyle/>
+          <a:p>
+            <a:endParaRPr lang="ko-KR" altLang="en-US"/>
+          </a:p>
+        </p:txBody>
+      </p:sp>
+      <p:pic>
+        <p:nvPicPr>
+          <p:cNvPr id="7" name="그림 6">
+            <a:extLst>
+              <a:ext uri="{FF2B5EF4-FFF2-40B4-BE49-F238E27FC236}">
+                <a16:creationId xmlns:a16="http://schemas.microsoft.com/office/drawing/2014/main" id="{AFB5C27C-CFBC-4F66-9D3A-DC847436D95B}"/>
+              </a:ext>
+            </a:extLst>
+          </p:cNvPr>
+          <p:cNvPicPr>
+            <a:picLocks noChangeAspect="1"/>
+          </p:cNvPicPr>
+          <p:nvPr/>
+        </p:nvPicPr>
+        <p:blipFill>
+          <a:blip r:embed="rId4"/>
+          <a:stretch>
+            <a:fillRect/>
+          </a:stretch>
+        </p:blipFill>
+        <p:spPr>
+          <a:xfrm>
+            <a:off x="3269960" y="2318902"/>
+            <a:ext cx="6082573" cy="3522919"/>
+          </a:xfrm>
+          <a:prstGeom prst="rect">
+            <a:avLst/>
+          </a:prstGeom>
+        </p:spPr>
+      </p:pic>
+      <p:pic>
+        <p:nvPicPr>
+          <p:cNvPr id="3" name="그림 2">
+            <a:extLst>
+              <a:ext uri="{FF2B5EF4-FFF2-40B4-BE49-F238E27FC236}">
+                <a16:creationId xmlns:a16="http://schemas.microsoft.com/office/drawing/2014/main" id="{70A7AEB3-492D-455A-B521-F4E4BA1F37BF}"/>
+              </a:ext>
+            </a:extLst>
+          </p:cNvPr>
+          <p:cNvPicPr>
+            <a:picLocks noChangeAspect="1"/>
+          </p:cNvPicPr>
+          <p:nvPr/>
+        </p:nvPicPr>
+        <p:blipFill>
+          <a:blip r:embed="rId5"/>
+          <a:stretch>
+            <a:fillRect/>
+          </a:stretch>
+        </p:blipFill>
+        <p:spPr>
+          <a:xfrm>
+            <a:off x="427667" y="2212380"/>
+            <a:ext cx="3780053" cy="3751953"/>
+          </a:xfrm>
+          <a:prstGeom prst="rect">
+            <a:avLst/>
+          </a:prstGeom>
+        </p:spPr>
+      </p:pic>
+      <p:sp>
+        <p:nvSpPr>
+          <p:cNvPr id="8" name="TextBox 7">
+            <a:extLst>
+              <a:ext uri="{FF2B5EF4-FFF2-40B4-BE49-F238E27FC236}">
+                <a16:creationId xmlns:a16="http://schemas.microsoft.com/office/drawing/2014/main" id="{3681441D-8EC1-43E8-84DC-730083BAF0C1}"/>
+              </a:ext>
+            </a:extLst>
+          </p:cNvPr>
+          <p:cNvSpPr txBox="1"/>
+          <p:nvPr/>
+        </p:nvSpPr>
+        <p:spPr>
+          <a:xfrm>
+            <a:off x="690662" y="6040533"/>
+            <a:ext cx="3458690" cy="307777"/>
+          </a:xfrm>
+          <a:prstGeom prst="rect">
+            <a:avLst/>
+          </a:prstGeom>
+          <a:noFill/>
+        </p:spPr>
+        <p:txBody>
+          <a:bodyPr wrap="square" rtlCol="0">
+            <a:spAutoFit/>
+          </a:bodyPr>
+          <a:lstStyle/>
+          <a:p>
+            <a:pPr algn="ctr"/>
+            <a:r>
+              <a:rPr lang="en-US" altLang="ko-KR" dirty="0"/>
+              <a:t>Word Cloud</a:t>
+            </a:r>
+            <a:endParaRPr lang="ko-KR" altLang="en-US" dirty="0"/>
+          </a:p>
+        </p:txBody>
+      </p:sp>
+      <p:sp>
+        <p:nvSpPr>
+          <p:cNvPr id="18" name="TextBox 17">
+            <a:extLst>
+              <a:ext uri="{FF2B5EF4-FFF2-40B4-BE49-F238E27FC236}">
+                <a16:creationId xmlns:a16="http://schemas.microsoft.com/office/drawing/2014/main" id="{36AA7D6A-825B-4C53-98A3-F00BA542FDCC}"/>
+              </a:ext>
+            </a:extLst>
+          </p:cNvPr>
+          <p:cNvSpPr txBox="1"/>
+          <p:nvPr/>
+        </p:nvSpPr>
+        <p:spPr>
+          <a:xfrm>
+            <a:off x="8349396" y="6040533"/>
+            <a:ext cx="3458690" cy="307777"/>
+          </a:xfrm>
+          <a:prstGeom prst="rect">
+            <a:avLst/>
+          </a:prstGeom>
+          <a:noFill/>
+        </p:spPr>
+        <p:txBody>
+          <a:bodyPr wrap="square" rtlCol="0">
+            <a:spAutoFit/>
+          </a:bodyPr>
+          <a:lstStyle/>
+          <a:p>
+            <a:pPr algn="ctr"/>
+            <a:r>
+              <a:rPr lang="en-US" altLang="ko-KR" dirty="0"/>
+              <a:t>Network analysis(</a:t>
+            </a:r>
+            <a:r>
+              <a:rPr lang="en-US" altLang="ko-KR" b="0" i="0" dirty="0">
+                <a:solidFill>
+                  <a:srgbClr val="202124"/>
+                </a:solidFill>
+                <a:effectLst/>
+                <a:latin typeface="Apple SD Gothic Neo"/>
+              </a:rPr>
+              <a:t>statistics)</a:t>
+            </a:r>
+            <a:endParaRPr lang="ko-KR" altLang="en-US" dirty="0"/>
+          </a:p>
+        </p:txBody>
+      </p:sp>
+      <p:graphicFrame>
+        <p:nvGraphicFramePr>
+          <p:cNvPr id="13" name="표 13">
+            <a:extLst>
+              <a:ext uri="{FF2B5EF4-FFF2-40B4-BE49-F238E27FC236}">
+                <a16:creationId xmlns:a16="http://schemas.microsoft.com/office/drawing/2014/main" id="{DE0950B1-D186-4C91-8744-87F724FCC438}"/>
+              </a:ext>
+            </a:extLst>
+          </p:cNvPr>
+          <p:cNvGraphicFramePr>
+            <a:graphicFrameLocks noGrp="1"/>
+          </p:cNvGraphicFramePr>
+          <p:nvPr>
+            <p:extLst>
+              <p:ext uri="{D42A27DB-BD31-4B8C-83A1-F6EECF244321}">
+                <p14:modId xmlns:p14="http://schemas.microsoft.com/office/powerpoint/2010/main" val="2925766051"/>
+              </p:ext>
+            </p:extLst>
+          </p:nvPr>
+        </p:nvGraphicFramePr>
+        <p:xfrm>
+          <a:off x="8349396" y="2063240"/>
+          <a:ext cx="3628946" cy="3959549"/>
+        </p:xfrm>
+        <a:graphic>
+          <a:graphicData uri="http://schemas.openxmlformats.org/drawingml/2006/table">
+            <a:tbl>
+              <a:tblPr firstRow="1" bandRow="1">
+                <a:tableStyleId>{F5AB1C69-6EDB-4FF4-983F-18BD219EF322}</a:tableStyleId>
+              </a:tblPr>
+              <a:tblGrid>
+                <a:gridCol w="1814473">
+                  <a:extLst>
+                    <a:ext uri="{9D8B030D-6E8A-4147-A177-3AD203B41FA5}">
+                      <a16:colId xmlns:a16="http://schemas.microsoft.com/office/drawing/2014/main" val="1544664563"/>
+                    </a:ext>
+                  </a:extLst>
+                </a:gridCol>
+                <a:gridCol w="1814473">
+                  <a:extLst>
+                    <a:ext uri="{9D8B030D-6E8A-4147-A177-3AD203B41FA5}">
+                      <a16:colId xmlns:a16="http://schemas.microsoft.com/office/drawing/2014/main" val="1131738866"/>
+                    </a:ext>
+                  </a:extLst>
+                </a:gridCol>
+              </a:tblGrid>
+              <a:tr h="359959">
+                <a:tc>
+                  <a:txBody>
+                    <a:bodyPr/>
+                    <a:lstStyle/>
+                    <a:p>
+                      <a:pPr algn="ctr" fontAlgn="ctr"/>
+                      <a:r>
+                        <a:rPr lang="en-US" sz="1200" b="0" i="0" u="none" strike="noStrike" dirty="0">
+                          <a:solidFill>
+                            <a:schemeClr val="tx1"/>
+                          </a:solidFill>
+                          <a:effectLst/>
+                          <a:latin typeface="맑은 고딕" panose="020B0503020000020004" pitchFamily="50" charset="-127"/>
+                          <a:ea typeface="맑은 고딕" panose="020B0503020000020004" pitchFamily="50" charset="-127"/>
+                        </a:rPr>
+                        <a:t>Word</a:t>
+                      </a:r>
+                    </a:p>
+                  </a:txBody>
+                  <a:tcPr marL="7620" marR="7620" marT="7620" marB="0" anchor="ctr"/>
+                </a:tc>
+                <a:tc>
+                  <a:txBody>
+                    <a:bodyPr/>
+                    <a:lstStyle/>
+                    <a:p>
+                      <a:pPr algn="ctr" fontAlgn="ctr"/>
+                      <a:r>
+                        <a:rPr lang="en-US" sz="1200" b="0" u="none" strike="noStrike" dirty="0">
+                          <a:solidFill>
+                            <a:schemeClr val="tx1"/>
+                          </a:solidFill>
+                          <a:effectLst/>
+                        </a:rPr>
+                        <a:t>Betweenness Centrality</a:t>
+                      </a:r>
+                      <a:endParaRPr lang="en-US" sz="1200" b="0" i="0" u="none" strike="noStrike" dirty="0">
+                        <a:solidFill>
+                          <a:schemeClr val="tx1"/>
+                        </a:solidFill>
+                        <a:effectLst/>
+                        <a:latin typeface="맑은 고딕" panose="020B0503020000020004" pitchFamily="50" charset="-127"/>
+                        <a:ea typeface="맑은 고딕" panose="020B0503020000020004" pitchFamily="50" charset="-127"/>
+                      </a:endParaRPr>
+                    </a:p>
+                  </a:txBody>
+                  <a:tcPr marL="7620" marR="7620" marT="7620" marB="0" anchor="ctr"/>
+                </a:tc>
+                <a:extLst>
+                  <a:ext uri="{0D108BD9-81ED-4DB2-BD59-A6C34878D82A}">
+                    <a16:rowId xmlns:a16="http://schemas.microsoft.com/office/drawing/2014/main" val="1944304092"/>
+                  </a:ext>
+                </a:extLst>
+              </a:tr>
+              <a:tr h="359959">
+                <a:tc>
+                  <a:txBody>
+                    <a:bodyPr/>
+                    <a:lstStyle/>
+                    <a:p>
+                      <a:pPr algn="ctr" fontAlgn="ctr"/>
+                      <a:r>
+                        <a:rPr lang="ko-KR" altLang="en-US" sz="1100" b="0" u="none" strike="noStrike" dirty="0">
+                          <a:solidFill>
+                            <a:srgbClr val="000000"/>
+                          </a:solidFill>
+                          <a:effectLst/>
+                        </a:rPr>
+                        <a:t>사업</a:t>
+                      </a:r>
+                      <a:endParaRPr lang="ko-KR" altLang="en-US" sz="1100" b="0" i="0" u="none" strike="noStrike" dirty="0">
+                        <a:solidFill>
+                          <a:srgbClr val="000000"/>
+                        </a:solidFill>
+                        <a:effectLst/>
+                        <a:latin typeface="맑은 고딕" panose="020B0503020000020004" pitchFamily="50" charset="-127"/>
+                        <a:ea typeface="맑은 고딕" panose="020B0503020000020004" pitchFamily="50" charset="-127"/>
+                      </a:endParaRPr>
+                    </a:p>
+                  </a:txBody>
+                  <a:tcPr marL="7620" marR="7620" marT="7620" marB="0" anchor="ctr"/>
+                </a:tc>
+                <a:tc>
+                  <a:txBody>
+                    <a:bodyPr/>
+                    <a:lstStyle/>
+                    <a:p>
+                      <a:pPr algn="ctr" fontAlgn="ctr"/>
+                      <a:r>
+                        <a:rPr lang="en-US" altLang="ko-KR" sz="1100" b="0" u="none" strike="noStrike" dirty="0">
+                          <a:solidFill>
+                            <a:srgbClr val="000000"/>
+                          </a:solidFill>
+                          <a:effectLst/>
+                        </a:rPr>
+                        <a:t>2519.448</a:t>
+                      </a:r>
+                      <a:endParaRPr lang="en-US" altLang="ko-KR" sz="1100" b="0" i="0" u="none" strike="noStrike" dirty="0">
+                        <a:solidFill>
+                          <a:srgbClr val="000000"/>
+                        </a:solidFill>
+                        <a:effectLst/>
+                        <a:latin typeface="맑은 고딕" panose="020B0503020000020004" pitchFamily="50" charset="-127"/>
+                        <a:ea typeface="맑은 고딕" panose="020B0503020000020004" pitchFamily="50" charset="-127"/>
+                      </a:endParaRPr>
+                    </a:p>
+                  </a:txBody>
+                  <a:tcPr marL="7620" marR="7620" marT="7620" marB="0" anchor="ctr"/>
+                </a:tc>
+                <a:extLst>
+                  <a:ext uri="{0D108BD9-81ED-4DB2-BD59-A6C34878D82A}">
+                    <a16:rowId xmlns:a16="http://schemas.microsoft.com/office/drawing/2014/main" val="707136689"/>
+                  </a:ext>
+                </a:extLst>
+              </a:tr>
+              <a:tr h="359959">
+                <a:tc>
+                  <a:txBody>
+                    <a:bodyPr/>
+                    <a:lstStyle/>
+                    <a:p>
+                      <a:pPr algn="ctr" fontAlgn="ctr"/>
+                      <a:r>
+                        <a:rPr lang="ko-KR" altLang="en-US" sz="1100" b="0" u="none" strike="noStrike" dirty="0">
+                          <a:solidFill>
+                            <a:srgbClr val="000000"/>
+                          </a:solidFill>
+                          <a:effectLst/>
+                        </a:rPr>
+                        <a:t>성장</a:t>
+                      </a:r>
+                      <a:endParaRPr lang="ko-KR" altLang="en-US" sz="1100" b="0" i="0" u="none" strike="noStrike" dirty="0">
+                        <a:solidFill>
+                          <a:srgbClr val="000000"/>
+                        </a:solidFill>
+                        <a:effectLst/>
+                        <a:latin typeface="맑은 고딕" panose="020B0503020000020004" pitchFamily="50" charset="-127"/>
+                        <a:ea typeface="맑은 고딕" panose="020B0503020000020004" pitchFamily="50" charset="-127"/>
+                      </a:endParaRPr>
+                    </a:p>
+                  </a:txBody>
+                  <a:tcPr marL="7620" marR="7620" marT="7620" marB="0" anchor="ctr"/>
+                </a:tc>
+                <a:tc>
+                  <a:txBody>
+                    <a:bodyPr/>
+                    <a:lstStyle/>
+                    <a:p>
+                      <a:pPr algn="ctr" fontAlgn="ctr"/>
+                      <a:r>
+                        <a:rPr lang="en-US" altLang="ko-KR" sz="1100" b="0" u="none" strike="noStrike">
+                          <a:solidFill>
+                            <a:srgbClr val="000000"/>
+                          </a:solidFill>
+                          <a:effectLst/>
+                        </a:rPr>
+                        <a:t>2299.518</a:t>
+                      </a:r>
+                      <a:endParaRPr lang="en-US" altLang="ko-KR" sz="1100" b="0" i="0" u="none" strike="noStrike">
+                        <a:solidFill>
+                          <a:srgbClr val="000000"/>
+                        </a:solidFill>
+                        <a:effectLst/>
+                        <a:latin typeface="맑은 고딕" panose="020B0503020000020004" pitchFamily="50" charset="-127"/>
+                        <a:ea typeface="맑은 고딕" panose="020B0503020000020004" pitchFamily="50" charset="-127"/>
+                      </a:endParaRPr>
+                    </a:p>
+                  </a:txBody>
+                  <a:tcPr marL="7620" marR="7620" marT="7620" marB="0" anchor="ctr"/>
+                </a:tc>
+                <a:extLst>
+                  <a:ext uri="{0D108BD9-81ED-4DB2-BD59-A6C34878D82A}">
+                    <a16:rowId xmlns:a16="http://schemas.microsoft.com/office/drawing/2014/main" val="1799021016"/>
+                  </a:ext>
+                </a:extLst>
+              </a:tr>
+              <a:tr h="359959">
+                <a:tc>
+                  <a:txBody>
+                    <a:bodyPr/>
+                    <a:lstStyle/>
+                    <a:p>
+                      <a:pPr algn="ctr" fontAlgn="ctr"/>
+                      <a:r>
+                        <a:rPr lang="ko-KR" altLang="en-US" sz="1100" b="0" u="none" strike="noStrike">
+                          <a:solidFill>
+                            <a:srgbClr val="000000"/>
+                          </a:solidFill>
+                          <a:effectLst/>
+                        </a:rPr>
+                        <a:t>역량</a:t>
+                      </a:r>
+                      <a:endParaRPr lang="ko-KR" altLang="en-US" sz="1100" b="0" i="0" u="none" strike="noStrike">
+                        <a:solidFill>
+                          <a:srgbClr val="000000"/>
+                        </a:solidFill>
+                        <a:effectLst/>
+                        <a:latin typeface="맑은 고딕" panose="020B0503020000020004" pitchFamily="50" charset="-127"/>
+                        <a:ea typeface="맑은 고딕" panose="020B0503020000020004" pitchFamily="50" charset="-127"/>
+                      </a:endParaRPr>
+                    </a:p>
+                  </a:txBody>
+                  <a:tcPr marL="7620" marR="7620" marT="7620" marB="0" anchor="ctr"/>
+                </a:tc>
+                <a:tc>
+                  <a:txBody>
+                    <a:bodyPr/>
+                    <a:lstStyle/>
+                    <a:p>
+                      <a:pPr algn="ctr" fontAlgn="ctr"/>
+                      <a:r>
+                        <a:rPr lang="en-US" altLang="ko-KR" sz="1100" b="0" u="none" strike="noStrike" dirty="0">
+                          <a:solidFill>
+                            <a:srgbClr val="000000"/>
+                          </a:solidFill>
+                          <a:effectLst/>
+                        </a:rPr>
+                        <a:t>1998.844</a:t>
+                      </a:r>
+                      <a:endParaRPr lang="en-US" altLang="ko-KR" sz="1100" b="0" i="0" u="none" strike="noStrike" dirty="0">
+                        <a:solidFill>
+                          <a:srgbClr val="000000"/>
+                        </a:solidFill>
+                        <a:effectLst/>
+                        <a:latin typeface="맑은 고딕" panose="020B0503020000020004" pitchFamily="50" charset="-127"/>
+                        <a:ea typeface="맑은 고딕" panose="020B0503020000020004" pitchFamily="50" charset="-127"/>
+                      </a:endParaRPr>
+                    </a:p>
+                  </a:txBody>
+                  <a:tcPr marL="7620" marR="7620" marT="7620" marB="0" anchor="ctr"/>
+                </a:tc>
+                <a:extLst>
+                  <a:ext uri="{0D108BD9-81ED-4DB2-BD59-A6C34878D82A}">
+                    <a16:rowId xmlns:a16="http://schemas.microsoft.com/office/drawing/2014/main" val="49457894"/>
+                  </a:ext>
+                </a:extLst>
+              </a:tr>
+              <a:tr h="359959">
+                <a:tc>
+                  <a:txBody>
+                    <a:bodyPr/>
+                    <a:lstStyle/>
+                    <a:p>
+                      <a:pPr algn="ctr" fontAlgn="ctr"/>
+                      <a:r>
+                        <a:rPr lang="ko-KR" altLang="en-US" sz="1100" b="0" u="none" strike="noStrike" dirty="0">
+                          <a:solidFill>
+                            <a:srgbClr val="000000"/>
+                          </a:solidFill>
+                          <a:effectLst/>
+                        </a:rPr>
+                        <a:t>혁신</a:t>
+                      </a:r>
+                      <a:endParaRPr lang="ko-KR" altLang="en-US" sz="1100" b="0" i="0" u="none" strike="noStrike" dirty="0">
+                        <a:solidFill>
+                          <a:srgbClr val="000000"/>
+                        </a:solidFill>
+                        <a:effectLst/>
+                        <a:latin typeface="맑은 고딕" panose="020B0503020000020004" pitchFamily="50" charset="-127"/>
+                        <a:ea typeface="맑은 고딕" panose="020B0503020000020004" pitchFamily="50" charset="-127"/>
+                      </a:endParaRPr>
+                    </a:p>
+                  </a:txBody>
+                  <a:tcPr marL="7620" marR="7620" marT="7620" marB="0" anchor="ctr"/>
+                </a:tc>
+                <a:tc>
+                  <a:txBody>
+                    <a:bodyPr/>
+                    <a:lstStyle/>
+                    <a:p>
+                      <a:pPr algn="ctr" fontAlgn="ctr"/>
+                      <a:r>
+                        <a:rPr lang="en-US" altLang="ko-KR" sz="1100" b="0" u="none" strike="noStrike" dirty="0">
+                          <a:solidFill>
+                            <a:srgbClr val="000000"/>
+                          </a:solidFill>
+                          <a:effectLst/>
+                        </a:rPr>
+                        <a:t>1998.844</a:t>
+                      </a:r>
+                      <a:endParaRPr lang="en-US" altLang="ko-KR" sz="1100" b="0" i="0" u="none" strike="noStrike" dirty="0">
+                        <a:solidFill>
+                          <a:srgbClr val="000000"/>
+                        </a:solidFill>
+                        <a:effectLst/>
+                        <a:latin typeface="맑은 고딕" panose="020B0503020000020004" pitchFamily="50" charset="-127"/>
+                        <a:ea typeface="맑은 고딕" panose="020B0503020000020004" pitchFamily="50" charset="-127"/>
+                      </a:endParaRPr>
+                    </a:p>
+                  </a:txBody>
+                  <a:tcPr marL="7620" marR="7620" marT="7620" marB="0" anchor="ctr"/>
+                </a:tc>
+                <a:extLst>
+                  <a:ext uri="{0D108BD9-81ED-4DB2-BD59-A6C34878D82A}">
+                    <a16:rowId xmlns:a16="http://schemas.microsoft.com/office/drawing/2014/main" val="566852686"/>
+                  </a:ext>
+                </a:extLst>
+              </a:tr>
+              <a:tr h="359959">
+                <a:tc>
+                  <a:txBody>
+                    <a:bodyPr/>
+                    <a:lstStyle/>
+                    <a:p>
+                      <a:pPr algn="ctr" fontAlgn="ctr"/>
+                      <a:r>
+                        <a:rPr lang="ko-KR" altLang="en-US" sz="1100" b="0" u="none" strike="noStrike" dirty="0">
+                          <a:solidFill>
+                            <a:srgbClr val="000000"/>
+                          </a:solidFill>
+                          <a:effectLst/>
+                        </a:rPr>
+                        <a:t>기반</a:t>
+                      </a:r>
+                      <a:endParaRPr lang="ko-KR" altLang="en-US" sz="1100" b="0" i="0" u="none" strike="noStrike" dirty="0">
+                        <a:solidFill>
+                          <a:srgbClr val="000000"/>
+                        </a:solidFill>
+                        <a:effectLst/>
+                        <a:latin typeface="맑은 고딕" panose="020B0503020000020004" pitchFamily="50" charset="-127"/>
+                        <a:ea typeface="맑은 고딕" panose="020B0503020000020004" pitchFamily="50" charset="-127"/>
+                      </a:endParaRPr>
+                    </a:p>
+                  </a:txBody>
+                  <a:tcPr marL="7620" marR="7620" marT="7620" marB="0" anchor="ctr"/>
+                </a:tc>
+                <a:tc>
+                  <a:txBody>
+                    <a:bodyPr/>
+                    <a:lstStyle/>
+                    <a:p>
+                      <a:pPr algn="ctr" fontAlgn="ctr"/>
+                      <a:r>
+                        <a:rPr lang="en-US" altLang="ko-KR" sz="1100" b="0" u="none" strike="noStrike" dirty="0">
+                          <a:solidFill>
+                            <a:srgbClr val="000000"/>
+                          </a:solidFill>
+                          <a:effectLst/>
+                        </a:rPr>
+                        <a:t>1599.713</a:t>
+                      </a:r>
+                      <a:endParaRPr lang="en-US" altLang="ko-KR" sz="1100" b="0" i="0" u="none" strike="noStrike" dirty="0">
+                        <a:solidFill>
+                          <a:srgbClr val="000000"/>
+                        </a:solidFill>
+                        <a:effectLst/>
+                        <a:latin typeface="맑은 고딕" panose="020B0503020000020004" pitchFamily="50" charset="-127"/>
+                        <a:ea typeface="맑은 고딕" panose="020B0503020000020004" pitchFamily="50" charset="-127"/>
+                      </a:endParaRPr>
+                    </a:p>
+                  </a:txBody>
+                  <a:tcPr marL="7620" marR="7620" marT="7620" marB="0" anchor="ctr"/>
+                </a:tc>
+                <a:extLst>
+                  <a:ext uri="{0D108BD9-81ED-4DB2-BD59-A6C34878D82A}">
+                    <a16:rowId xmlns:a16="http://schemas.microsoft.com/office/drawing/2014/main" val="4103785329"/>
+                  </a:ext>
+                </a:extLst>
+              </a:tr>
+              <a:tr h="359959">
+                <a:tc>
+                  <a:txBody>
+                    <a:bodyPr/>
+                    <a:lstStyle/>
+                    <a:p>
+                      <a:pPr algn="ctr" fontAlgn="ctr"/>
+                      <a:r>
+                        <a:rPr lang="ko-KR" altLang="en-US" sz="1100" b="0" u="none" strike="noStrike" dirty="0">
+                          <a:solidFill>
+                            <a:srgbClr val="000000"/>
+                          </a:solidFill>
+                          <a:effectLst/>
+                        </a:rPr>
+                        <a:t>가치</a:t>
+                      </a:r>
+                      <a:endParaRPr lang="ko-KR" altLang="en-US" sz="1100" b="0" i="0" u="none" strike="noStrike" dirty="0">
+                        <a:solidFill>
+                          <a:srgbClr val="000000"/>
+                        </a:solidFill>
+                        <a:effectLst/>
+                        <a:latin typeface="맑은 고딕" panose="020B0503020000020004" pitchFamily="50" charset="-127"/>
+                        <a:ea typeface="맑은 고딕" panose="020B0503020000020004" pitchFamily="50" charset="-127"/>
+                      </a:endParaRPr>
+                    </a:p>
+                  </a:txBody>
+                  <a:tcPr marL="7620" marR="7620" marT="7620" marB="0" anchor="ctr"/>
+                </a:tc>
+                <a:tc>
+                  <a:txBody>
+                    <a:bodyPr/>
+                    <a:lstStyle/>
+                    <a:p>
+                      <a:pPr algn="ctr" fontAlgn="ctr"/>
+                      <a:r>
+                        <a:rPr lang="en-US" altLang="ko-KR" sz="1100" b="0" u="none" strike="noStrike" dirty="0">
+                          <a:solidFill>
+                            <a:srgbClr val="000000"/>
+                          </a:solidFill>
+                          <a:effectLst/>
+                        </a:rPr>
+                        <a:t>1361.34</a:t>
+                      </a:r>
+                      <a:endParaRPr lang="en-US" altLang="ko-KR" sz="1100" b="0" i="0" u="none" strike="noStrike" dirty="0">
+                        <a:solidFill>
+                          <a:srgbClr val="000000"/>
+                        </a:solidFill>
+                        <a:effectLst/>
+                        <a:latin typeface="맑은 고딕" panose="020B0503020000020004" pitchFamily="50" charset="-127"/>
+                        <a:ea typeface="맑은 고딕" panose="020B0503020000020004" pitchFamily="50" charset="-127"/>
+                      </a:endParaRPr>
+                    </a:p>
+                  </a:txBody>
+                  <a:tcPr marL="7620" marR="7620" marT="7620" marB="0" anchor="ctr"/>
+                </a:tc>
+                <a:extLst>
+                  <a:ext uri="{0D108BD9-81ED-4DB2-BD59-A6C34878D82A}">
+                    <a16:rowId xmlns:a16="http://schemas.microsoft.com/office/drawing/2014/main" val="2451041666"/>
+                  </a:ext>
+                </a:extLst>
+              </a:tr>
+              <a:tr h="359959">
+                <a:tc>
+                  <a:txBody>
+                    <a:bodyPr/>
+                    <a:lstStyle/>
+                    <a:p>
+                      <a:pPr algn="ctr" fontAlgn="ctr"/>
+                      <a:r>
+                        <a:rPr lang="ko-KR" altLang="en-US" sz="1100" b="0" u="none" strike="noStrike">
+                          <a:solidFill>
+                            <a:srgbClr val="000000"/>
+                          </a:solidFill>
+                          <a:effectLst/>
+                        </a:rPr>
+                        <a:t>기술</a:t>
+                      </a:r>
+                      <a:endParaRPr lang="ko-KR" altLang="en-US" sz="1100" b="0" i="0" u="none" strike="noStrike">
+                        <a:solidFill>
+                          <a:srgbClr val="000000"/>
+                        </a:solidFill>
+                        <a:effectLst/>
+                        <a:latin typeface="맑은 고딕" panose="020B0503020000020004" pitchFamily="50" charset="-127"/>
+                        <a:ea typeface="맑은 고딕" panose="020B0503020000020004" pitchFamily="50" charset="-127"/>
+                      </a:endParaRPr>
+                    </a:p>
+                  </a:txBody>
+                  <a:tcPr marL="7620" marR="7620" marT="7620" marB="0" anchor="ctr"/>
+                </a:tc>
+                <a:tc>
+                  <a:txBody>
+                    <a:bodyPr/>
+                    <a:lstStyle/>
+                    <a:p>
+                      <a:pPr algn="ctr" fontAlgn="ctr"/>
+                      <a:r>
+                        <a:rPr lang="en-US" altLang="ko-KR" sz="1100" b="0" u="none" strike="noStrike" dirty="0">
+                          <a:solidFill>
+                            <a:srgbClr val="000000"/>
+                          </a:solidFill>
+                          <a:effectLst/>
+                        </a:rPr>
+                        <a:t>1313.081</a:t>
+                      </a:r>
+                      <a:endParaRPr lang="en-US" altLang="ko-KR" sz="1100" b="0" i="0" u="none" strike="noStrike" dirty="0">
+                        <a:solidFill>
+                          <a:srgbClr val="000000"/>
+                        </a:solidFill>
+                        <a:effectLst/>
+                        <a:latin typeface="맑은 고딕" panose="020B0503020000020004" pitchFamily="50" charset="-127"/>
+                        <a:ea typeface="맑은 고딕" panose="020B0503020000020004" pitchFamily="50" charset="-127"/>
+                      </a:endParaRPr>
+                    </a:p>
+                  </a:txBody>
+                  <a:tcPr marL="7620" marR="7620" marT="7620" marB="0" anchor="ctr"/>
+                </a:tc>
+                <a:extLst>
+                  <a:ext uri="{0D108BD9-81ED-4DB2-BD59-A6C34878D82A}">
+                    <a16:rowId xmlns:a16="http://schemas.microsoft.com/office/drawing/2014/main" val="2783229695"/>
+                  </a:ext>
+                </a:extLst>
+              </a:tr>
+              <a:tr h="359959">
+                <a:tc>
+                  <a:txBody>
+                    <a:bodyPr/>
+                    <a:lstStyle/>
+                    <a:p>
+                      <a:pPr algn="ctr" fontAlgn="ctr"/>
+                      <a:r>
+                        <a:rPr lang="ko-KR" altLang="en-US" sz="1100" b="0" u="none" strike="noStrike">
+                          <a:solidFill>
+                            <a:srgbClr val="000000"/>
+                          </a:solidFill>
+                          <a:effectLst/>
+                        </a:rPr>
+                        <a:t>방식</a:t>
+                      </a:r>
+                      <a:endParaRPr lang="ko-KR" altLang="en-US" sz="1100" b="0" i="0" u="none" strike="noStrike">
+                        <a:solidFill>
+                          <a:srgbClr val="000000"/>
+                        </a:solidFill>
+                        <a:effectLst/>
+                        <a:latin typeface="맑은 고딕" panose="020B0503020000020004" pitchFamily="50" charset="-127"/>
+                        <a:ea typeface="맑은 고딕" panose="020B0503020000020004" pitchFamily="50" charset="-127"/>
+                      </a:endParaRPr>
+                    </a:p>
+                  </a:txBody>
+                  <a:tcPr marL="7620" marR="7620" marT="7620" marB="0" anchor="ctr"/>
+                </a:tc>
+                <a:tc>
+                  <a:txBody>
+                    <a:bodyPr/>
+                    <a:lstStyle/>
+                    <a:p>
+                      <a:pPr algn="ctr" fontAlgn="ctr"/>
+                      <a:r>
+                        <a:rPr lang="en-US" altLang="ko-KR" sz="1100" b="0" u="none" strike="noStrike" dirty="0">
+                          <a:solidFill>
+                            <a:srgbClr val="000000"/>
+                          </a:solidFill>
+                          <a:effectLst/>
+                        </a:rPr>
+                        <a:t>1260.338</a:t>
+                      </a:r>
+                      <a:endParaRPr lang="en-US" altLang="ko-KR" sz="1100" b="0" i="0" u="none" strike="noStrike" dirty="0">
+                        <a:solidFill>
+                          <a:srgbClr val="000000"/>
+                        </a:solidFill>
+                        <a:effectLst/>
+                        <a:latin typeface="맑은 고딕" panose="020B0503020000020004" pitchFamily="50" charset="-127"/>
+                        <a:ea typeface="맑은 고딕" panose="020B0503020000020004" pitchFamily="50" charset="-127"/>
+                      </a:endParaRPr>
+                    </a:p>
+                  </a:txBody>
+                  <a:tcPr marL="7620" marR="7620" marT="7620" marB="0" anchor="ctr"/>
+                </a:tc>
+                <a:extLst>
+                  <a:ext uri="{0D108BD9-81ED-4DB2-BD59-A6C34878D82A}">
+                    <a16:rowId xmlns:a16="http://schemas.microsoft.com/office/drawing/2014/main" val="4073191641"/>
+                  </a:ext>
+                </a:extLst>
+              </a:tr>
+              <a:tr h="359959">
+                <a:tc>
+                  <a:txBody>
+                    <a:bodyPr/>
+                    <a:lstStyle/>
+                    <a:p>
+                      <a:pPr algn="ctr" fontAlgn="ctr"/>
+                      <a:r>
+                        <a:rPr lang="ko-KR" altLang="en-US" sz="1100" b="0" u="none" strike="noStrike" dirty="0">
+                          <a:solidFill>
+                            <a:srgbClr val="000000"/>
+                          </a:solidFill>
+                          <a:effectLst/>
+                        </a:rPr>
+                        <a:t>중심</a:t>
+                      </a:r>
+                      <a:endParaRPr lang="ko-KR" altLang="en-US" sz="1100" b="0" i="0" u="none" strike="noStrike" dirty="0">
+                        <a:solidFill>
+                          <a:srgbClr val="000000"/>
+                        </a:solidFill>
+                        <a:effectLst/>
+                        <a:latin typeface="맑은 고딕" panose="020B0503020000020004" pitchFamily="50" charset="-127"/>
+                        <a:ea typeface="맑은 고딕" panose="020B0503020000020004" pitchFamily="50" charset="-127"/>
+                      </a:endParaRPr>
+                    </a:p>
+                  </a:txBody>
+                  <a:tcPr marL="7620" marR="7620" marT="7620" marB="0" anchor="ctr"/>
+                </a:tc>
+                <a:tc>
+                  <a:txBody>
+                    <a:bodyPr/>
+                    <a:lstStyle/>
+                    <a:p>
+                      <a:pPr algn="ctr" fontAlgn="ctr"/>
+                      <a:r>
+                        <a:rPr lang="en-US" altLang="ko-KR" sz="1100" b="0" u="none" strike="noStrike" dirty="0">
+                          <a:solidFill>
+                            <a:srgbClr val="000000"/>
+                          </a:solidFill>
+                          <a:effectLst/>
+                        </a:rPr>
+                        <a:t>1260.338</a:t>
+                      </a:r>
+                      <a:endParaRPr lang="en-US" altLang="ko-KR" sz="1100" b="0" i="0" u="none" strike="noStrike" dirty="0">
+                        <a:solidFill>
+                          <a:srgbClr val="000000"/>
+                        </a:solidFill>
+                        <a:effectLst/>
+                        <a:latin typeface="맑은 고딕" panose="020B0503020000020004" pitchFamily="50" charset="-127"/>
+                        <a:ea typeface="맑은 고딕" panose="020B0503020000020004" pitchFamily="50" charset="-127"/>
+                      </a:endParaRPr>
+                    </a:p>
+                  </a:txBody>
+                  <a:tcPr marL="7620" marR="7620" marT="7620" marB="0" anchor="ctr"/>
+                </a:tc>
+                <a:extLst>
+                  <a:ext uri="{0D108BD9-81ED-4DB2-BD59-A6C34878D82A}">
+                    <a16:rowId xmlns:a16="http://schemas.microsoft.com/office/drawing/2014/main" val="4100684766"/>
+                  </a:ext>
+                </a:extLst>
+              </a:tr>
+              <a:tr h="359959">
+                <a:tc>
+                  <a:txBody>
+                    <a:bodyPr/>
+                    <a:lstStyle/>
+                    <a:p>
+                      <a:pPr algn="ctr" fontAlgn="ctr"/>
+                      <a:r>
+                        <a:rPr lang="ko-KR" altLang="en-US" sz="1100" b="0" u="none" strike="noStrike" dirty="0">
+                          <a:solidFill>
+                            <a:srgbClr val="000000"/>
+                          </a:solidFill>
+                          <a:effectLst/>
+                        </a:rPr>
+                        <a:t>기업</a:t>
+                      </a:r>
+                      <a:endParaRPr lang="ko-KR" altLang="en-US" sz="1100" b="0" i="0" u="none" strike="noStrike" dirty="0">
+                        <a:solidFill>
+                          <a:srgbClr val="000000"/>
+                        </a:solidFill>
+                        <a:effectLst/>
+                        <a:latin typeface="맑은 고딕" panose="020B0503020000020004" pitchFamily="50" charset="-127"/>
+                        <a:ea typeface="맑은 고딕" panose="020B0503020000020004" pitchFamily="50" charset="-127"/>
+                      </a:endParaRPr>
+                    </a:p>
+                  </a:txBody>
+                  <a:tcPr marL="7620" marR="7620" marT="7620" marB="0" anchor="ctr"/>
+                </a:tc>
+                <a:tc>
+                  <a:txBody>
+                    <a:bodyPr/>
+                    <a:lstStyle/>
+                    <a:p>
+                      <a:pPr algn="ctr" fontAlgn="ctr"/>
+                      <a:r>
+                        <a:rPr lang="en-US" altLang="ko-KR" sz="1100" b="0" u="none" strike="noStrike" dirty="0">
+                          <a:solidFill>
+                            <a:srgbClr val="000000"/>
+                          </a:solidFill>
+                          <a:effectLst/>
+                        </a:rPr>
+                        <a:t>1176.796</a:t>
+                      </a:r>
+                      <a:endParaRPr lang="en-US" altLang="ko-KR" sz="1100" b="0" i="0" u="none" strike="noStrike" dirty="0">
+                        <a:solidFill>
+                          <a:srgbClr val="000000"/>
+                        </a:solidFill>
+                        <a:effectLst/>
+                        <a:latin typeface="맑은 고딕" panose="020B0503020000020004" pitchFamily="50" charset="-127"/>
+                        <a:ea typeface="맑은 고딕" panose="020B0503020000020004" pitchFamily="50" charset="-127"/>
+                      </a:endParaRPr>
+                    </a:p>
+                  </a:txBody>
+                  <a:tcPr marL="7620" marR="7620" marT="7620" marB="0" anchor="ctr"/>
+                </a:tc>
+                <a:extLst>
+                  <a:ext uri="{0D108BD9-81ED-4DB2-BD59-A6C34878D82A}">
+                    <a16:rowId xmlns:a16="http://schemas.microsoft.com/office/drawing/2014/main" val="212532299"/>
+                  </a:ext>
+                </a:extLst>
+              </a:tr>
+            </a:tbl>
+          </a:graphicData>
+        </a:graphic>
+      </p:graphicFrame>
+      <p:sp>
+        <p:nvSpPr>
+          <p:cNvPr id="21" name="TextBox 20">
+            <a:extLst>
+              <a:ext uri="{FF2B5EF4-FFF2-40B4-BE49-F238E27FC236}">
+                <a16:creationId xmlns:a16="http://schemas.microsoft.com/office/drawing/2014/main" id="{69B500AE-2A0C-4509-B33F-9B232489F072}"/>
+              </a:ext>
+            </a:extLst>
+          </p:cNvPr>
+          <p:cNvSpPr txBox="1"/>
+          <p:nvPr/>
+        </p:nvSpPr>
+        <p:spPr>
+          <a:xfrm>
+            <a:off x="4974633" y="6040533"/>
+            <a:ext cx="3458690" cy="307777"/>
+          </a:xfrm>
+          <a:prstGeom prst="rect">
+            <a:avLst/>
+          </a:prstGeom>
+          <a:noFill/>
+        </p:spPr>
+        <p:txBody>
+          <a:bodyPr wrap="square" rtlCol="0">
+            <a:spAutoFit/>
+          </a:bodyPr>
+          <a:lstStyle/>
+          <a:p>
+            <a:pPr algn="ctr"/>
+            <a:r>
+              <a:rPr lang="en-US" altLang="ko-KR" dirty="0"/>
+              <a:t>Network analysis</a:t>
+            </a:r>
+            <a:endParaRPr lang="ko-KR" altLang="en-US" dirty="0"/>
+          </a:p>
+        </p:txBody>
+      </p:sp>
     </p:spTree>
     <p:extLst>
       <p:ext uri="{BB962C8B-B14F-4D97-AF65-F5344CB8AC3E}">
@@ -15365,7 +17271,7 @@
         </p:nvGraphicFramePr>
         <p:xfrm>
           <a:off x="7550590" y="1217277"/>
-          <a:ext cx="4220928" cy="4871720"/>
+          <a:ext cx="4220928" cy="5024120"/>
         </p:xfrm>
         <a:graphic>
           <a:graphicData uri="http://schemas.openxmlformats.org/drawingml/2006/table">
@@ -18599,14 +20505,7 @@
                 <a:latin typeface="나눔스퀘어" panose="020B0600000101010101" pitchFamily="50" charset="-127"/>
                 <a:ea typeface="나눔스퀘어" panose="020B0600000101010101" pitchFamily="50" charset="-127"/>
               </a:rPr>
-              <a:t>사용자 사전 생성 </a:t>
-            </a:r>
-            <a:r>
-              <a:rPr lang="ko-KR" altLang="en-US" dirty="0" smtClean="0">
-                <a:latin typeface="나눔스퀘어" panose="020B0600000101010101" pitchFamily="50" charset="-127"/>
-                <a:ea typeface="나눔스퀘어" panose="020B0600000101010101" pitchFamily="50" charset="-127"/>
-              </a:rPr>
-              <a:t>및 </a:t>
+              <a:t>사용자 사전 생성 및 </a:t>
             </a:r>
             <a:endParaRPr lang="en-US" altLang="ko-KR" dirty="0">
               <a:latin typeface="나눔스퀘어" panose="020B0600000101010101" pitchFamily="50" charset="-127"/>
@@ -18778,25 +20677,18 @@
           <a:p>
             <a:pPr algn="ctr"/>
             <a:r>
-              <a:rPr lang="ko-KR" altLang="en-US" dirty="0" smtClean="0">
+              <a:rPr lang="ko-KR" altLang="en-US" dirty="0">
                 <a:latin typeface="나눔스퀘어" panose="020B0600000101010101" pitchFamily="50" charset="-127"/>
                 <a:ea typeface="나눔스퀘어" panose="020B0600000101010101" pitchFamily="50" charset="-127"/>
               </a:rPr>
               <a:t>한글 형태소분석기</a:t>
             </a:r>
             <a:r>
-              <a:rPr lang="en-US" altLang="ko-KR" dirty="0" smtClean="0">
-                <a:latin typeface="나눔스퀘어" panose="020B0600000101010101" pitchFamily="50" charset="-127"/>
-                <a:ea typeface="나눔스퀘어" panose="020B0600000101010101" pitchFamily="50" charset="-127"/>
-              </a:rPr>
-              <a:t> </a:t>
-            </a:r>
-            <a:r>
               <a:rPr lang="en-US" altLang="ko-KR" dirty="0">
                 <a:latin typeface="나눔스퀘어" panose="020B0600000101010101" pitchFamily="50" charset="-127"/>
                 <a:ea typeface="나눔스퀘어" panose="020B0600000101010101" pitchFamily="50" charset="-127"/>
               </a:rPr>
-              <a:t>Komoran</a:t>
+              <a:t> Komoran</a:t>
             </a:r>
             <a:r>
               <a:rPr lang="ko-KR" altLang="en-US" dirty="0">
